--- a/AWS/day-1/Chapter 1AWS.pptx
+++ b/AWS/day-1/Chapter 1AWS.pptx
@@ -17,6 +17,7 @@
     <p:sldId id="263" r:id="rId12"/>
     <p:sldId id="264" r:id="rId13"/>
     <p:sldId id="265" r:id="rId14"/>
+    <p:sldId id="266" r:id="rId15"/>
   </p:sldIdLst>
   <p:sldSz cx="9144000" cy="6858000"/>
   <p:notesSz cx="7559675" cy="10691812"/>
@@ -75,7 +76,7 @@
         <p:spPr>
           <a:xfrm>
             <a:off x="457200" y="704160"/>
-            <a:ext cx="8304120" cy="1143000"/>
+            <a:ext cx="8303400" cy="1143000"/>
           </a:xfrm>
           <a:prstGeom prst="rect">
             <a:avLst/>
@@ -176,7 +177,7 @@
         <p:spPr>
           <a:xfrm>
             <a:off x="457200" y="704160"/>
-            <a:ext cx="8304120" cy="1143000"/>
+            <a:ext cx="8303400" cy="1143000"/>
           </a:xfrm>
           <a:prstGeom prst="rect">
             <a:avLst/>
@@ -329,7 +330,7 @@
         <p:spPr>
           <a:xfrm>
             <a:off x="457200" y="704160"/>
-            <a:ext cx="8304120" cy="1143000"/>
+            <a:ext cx="8303400" cy="1143000"/>
           </a:xfrm>
           <a:prstGeom prst="rect">
             <a:avLst/>
@@ -502,7 +503,7 @@
         <p:spPr>
           <a:xfrm>
             <a:off x="457200" y="704160"/>
-            <a:ext cx="8304120" cy="1143000"/>
+            <a:ext cx="8303400" cy="1143000"/>
           </a:xfrm>
           <a:prstGeom prst="rect">
             <a:avLst/>
@@ -578,7 +579,7 @@
         <p:spPr>
           <a:xfrm>
             <a:off x="457200" y="704160"/>
-            <a:ext cx="8304120" cy="1143000"/>
+            <a:ext cx="8303400" cy="1143000"/>
           </a:xfrm>
           <a:prstGeom prst="rect">
             <a:avLst/>
@@ -653,7 +654,7 @@
         <p:spPr>
           <a:xfrm>
             <a:off x="457200" y="704160"/>
-            <a:ext cx="8304120" cy="1143000"/>
+            <a:ext cx="8303400" cy="1143000"/>
           </a:xfrm>
           <a:prstGeom prst="rect">
             <a:avLst/>
@@ -754,7 +755,7 @@
         <p:spPr>
           <a:xfrm>
             <a:off x="457200" y="704160"/>
-            <a:ext cx="8304120" cy="1143000"/>
+            <a:ext cx="8303400" cy="1143000"/>
           </a:xfrm>
           <a:prstGeom prst="rect">
             <a:avLst/>
@@ -803,7 +804,7 @@
         <p:spPr>
           <a:xfrm>
             <a:off x="457200" y="704160"/>
-            <a:ext cx="8304120" cy="5298120"/>
+            <a:ext cx="8303400" cy="5298120"/>
           </a:xfrm>
           <a:prstGeom prst="rect">
             <a:avLst/>
@@ -852,7 +853,7 @@
         <p:spPr>
           <a:xfrm>
             <a:off x="457200" y="704160"/>
-            <a:ext cx="8304120" cy="1143000"/>
+            <a:ext cx="8303400" cy="1143000"/>
           </a:xfrm>
           <a:prstGeom prst="rect">
             <a:avLst/>
@@ -979,7 +980,7 @@
         <p:spPr>
           <a:xfrm>
             <a:off x="457200" y="704160"/>
-            <a:ext cx="8304120" cy="1143000"/>
+            <a:ext cx="8303400" cy="1143000"/>
           </a:xfrm>
           <a:prstGeom prst="rect">
             <a:avLst/>
@@ -1055,7 +1056,7 @@
         <p:spPr>
           <a:xfrm>
             <a:off x="457200" y="704160"/>
-            <a:ext cx="8304120" cy="1143000"/>
+            <a:ext cx="8303400" cy="1143000"/>
           </a:xfrm>
           <a:prstGeom prst="rect">
             <a:avLst/>
@@ -1182,7 +1183,7 @@
         <p:spPr>
           <a:xfrm>
             <a:off x="457200" y="704160"/>
-            <a:ext cx="8304120" cy="1143000"/>
+            <a:ext cx="8303400" cy="1143000"/>
           </a:xfrm>
           <a:prstGeom prst="rect">
             <a:avLst/>
@@ -1309,7 +1310,7 @@
         <p:spPr>
           <a:xfrm>
             <a:off x="457200" y="704160"/>
-            <a:ext cx="8304120" cy="1143000"/>
+            <a:ext cx="8303400" cy="1143000"/>
           </a:xfrm>
           <a:prstGeom prst="rect">
             <a:avLst/>
@@ -1410,7 +1411,7 @@
         <p:spPr>
           <a:xfrm>
             <a:off x="457200" y="704160"/>
-            <a:ext cx="8304120" cy="1143000"/>
+            <a:ext cx="8303400" cy="1143000"/>
           </a:xfrm>
           <a:prstGeom prst="rect">
             <a:avLst/>
@@ -1563,7 +1564,7 @@
         <p:spPr>
           <a:xfrm>
             <a:off x="457200" y="704160"/>
-            <a:ext cx="8304120" cy="1143000"/>
+            <a:ext cx="8303400" cy="1143000"/>
           </a:xfrm>
           <a:prstGeom prst="rect">
             <a:avLst/>
@@ -1736,7 +1737,7 @@
         <p:spPr>
           <a:xfrm>
             <a:off x="457200" y="704160"/>
-            <a:ext cx="8304120" cy="1143000"/>
+            <a:ext cx="8303400" cy="1143000"/>
           </a:xfrm>
           <a:prstGeom prst="rect">
             <a:avLst/>
@@ -1812,7 +1813,7 @@
         <p:spPr>
           <a:xfrm>
             <a:off x="457200" y="704160"/>
-            <a:ext cx="8304120" cy="1143000"/>
+            <a:ext cx="8303400" cy="1143000"/>
           </a:xfrm>
           <a:prstGeom prst="rect">
             <a:avLst/>
@@ -1887,7 +1888,7 @@
         <p:spPr>
           <a:xfrm>
             <a:off x="457200" y="704160"/>
-            <a:ext cx="8304120" cy="1143000"/>
+            <a:ext cx="8303400" cy="1143000"/>
           </a:xfrm>
           <a:prstGeom prst="rect">
             <a:avLst/>
@@ -1988,7 +1989,7 @@
         <p:spPr>
           <a:xfrm>
             <a:off x="457200" y="704160"/>
-            <a:ext cx="8304120" cy="1143000"/>
+            <a:ext cx="8303400" cy="1143000"/>
           </a:xfrm>
           <a:prstGeom prst="rect">
             <a:avLst/>
@@ -2037,7 +2038,7 @@
         <p:spPr>
           <a:xfrm>
             <a:off x="457200" y="704160"/>
-            <a:ext cx="8304120" cy="1143000"/>
+            <a:ext cx="8303400" cy="1143000"/>
           </a:xfrm>
           <a:prstGeom prst="rect">
             <a:avLst/>
@@ -2112,7 +2113,7 @@
         <p:spPr>
           <a:xfrm>
             <a:off x="457200" y="704160"/>
-            <a:ext cx="8304120" cy="5298120"/>
+            <a:ext cx="8303400" cy="5298120"/>
           </a:xfrm>
           <a:prstGeom prst="rect">
             <a:avLst/>
@@ -2161,7 +2162,7 @@
         <p:spPr>
           <a:xfrm>
             <a:off x="457200" y="704160"/>
-            <a:ext cx="8304120" cy="1143000"/>
+            <a:ext cx="8303400" cy="1143000"/>
           </a:xfrm>
           <a:prstGeom prst="rect">
             <a:avLst/>
@@ -2288,7 +2289,7 @@
         <p:spPr>
           <a:xfrm>
             <a:off x="457200" y="704160"/>
-            <a:ext cx="8304120" cy="1143000"/>
+            <a:ext cx="8303400" cy="1143000"/>
           </a:xfrm>
           <a:prstGeom prst="rect">
             <a:avLst/>
@@ -2415,7 +2416,7 @@
         <p:spPr>
           <a:xfrm>
             <a:off x="457200" y="704160"/>
-            <a:ext cx="8304120" cy="1143000"/>
+            <a:ext cx="8303400" cy="1143000"/>
           </a:xfrm>
           <a:prstGeom prst="rect">
             <a:avLst/>
@@ -2542,7 +2543,7 @@
         <p:spPr>
           <a:xfrm>
             <a:off x="457200" y="704160"/>
-            <a:ext cx="8304120" cy="1143000"/>
+            <a:ext cx="8303400" cy="1143000"/>
           </a:xfrm>
           <a:prstGeom prst="rect">
             <a:avLst/>
@@ -2643,7 +2644,7 @@
         <p:spPr>
           <a:xfrm>
             <a:off x="457200" y="704160"/>
-            <a:ext cx="8304120" cy="1143000"/>
+            <a:ext cx="8303400" cy="1143000"/>
           </a:xfrm>
           <a:prstGeom prst="rect">
             <a:avLst/>
@@ -2796,7 +2797,7 @@
         <p:spPr>
           <a:xfrm>
             <a:off x="457200" y="704160"/>
-            <a:ext cx="8304120" cy="1143000"/>
+            <a:ext cx="8303400" cy="1143000"/>
           </a:xfrm>
           <a:prstGeom prst="rect">
             <a:avLst/>
@@ -2947,7 +2948,7 @@
         <p:spPr>
           <a:xfrm>
             <a:off x="457200" y="704160"/>
-            <a:ext cx="8304120" cy="1143000"/>
+            <a:ext cx="8303400" cy="1143000"/>
           </a:xfrm>
           <a:prstGeom prst="rect">
             <a:avLst/>
@@ -3048,7 +3049,7 @@
         <p:spPr>
           <a:xfrm>
             <a:off x="457200" y="704160"/>
-            <a:ext cx="8304120" cy="1143000"/>
+            <a:ext cx="8303400" cy="1143000"/>
           </a:xfrm>
           <a:prstGeom prst="rect">
             <a:avLst/>
@@ -3097,7 +3098,7 @@
         <p:spPr>
           <a:xfrm>
             <a:off x="457200" y="704160"/>
-            <a:ext cx="8304120" cy="5298120"/>
+            <a:ext cx="8303400" cy="5298120"/>
           </a:xfrm>
           <a:prstGeom prst="rect">
             <a:avLst/>
@@ -3146,7 +3147,7 @@
         <p:spPr>
           <a:xfrm>
             <a:off x="457200" y="704160"/>
-            <a:ext cx="8304120" cy="1143000"/>
+            <a:ext cx="8303400" cy="1143000"/>
           </a:xfrm>
           <a:prstGeom prst="rect">
             <a:avLst/>
@@ -3273,7 +3274,7 @@
         <p:spPr>
           <a:xfrm>
             <a:off x="457200" y="704160"/>
-            <a:ext cx="8304120" cy="1143000"/>
+            <a:ext cx="8303400" cy="1143000"/>
           </a:xfrm>
           <a:prstGeom prst="rect">
             <a:avLst/>
@@ -3400,7 +3401,7 @@
         <p:spPr>
           <a:xfrm>
             <a:off x="457200" y="704160"/>
-            <a:ext cx="8304120" cy="1143000"/>
+            <a:ext cx="8303400" cy="1143000"/>
           </a:xfrm>
           <a:prstGeom prst="rect">
             <a:avLst/>
@@ -3531,7 +3532,7 @@
         <p:spPr>
           <a:xfrm>
             <a:off x="-9360" y="-7200"/>
-            <a:ext cx="9161280" cy="1039680"/>
+            <a:ext cx="9160560" cy="1038960"/>
           </a:xfrm>
           <a:prstGeom prst="rect">
             <a:avLst/>
@@ -3561,7 +3562,7 @@
         <p:spPr>
           <a:xfrm>
             <a:off x="4381560" y="-7200"/>
-            <a:ext cx="4760640" cy="636480"/>
+            <a:ext cx="4759920" cy="635760"/>
           </a:xfrm>
           <a:prstGeom prst="rect">
             <a:avLst/>
@@ -3590,8 +3591,8 @@
         </p:nvSpPr>
         <p:spPr>
           <a:xfrm rot="21435600">
-            <a:off x="-17640" y="200520"/>
-            <a:ext cx="9161280" cy="647280"/>
+            <a:off x="-16920" y="199800"/>
+            <a:ext cx="9160560" cy="646560"/>
           </a:xfrm>
           <a:prstGeom prst="rect">
             <a:avLst/>
@@ -3613,8 +3614,8 @@
         </p:nvSpPr>
         <p:spPr>
           <a:xfrm rot="21435600">
-            <a:off x="-14040" y="275040"/>
-            <a:ext cx="9173880" cy="528480"/>
+            <a:off x="-13680" y="275040"/>
+            <a:ext cx="9173160" cy="527760"/>
           </a:xfrm>
           <a:prstGeom prst="rect">
             <a:avLst/>
@@ -3641,7 +3642,7 @@
         <p:spPr>
           <a:xfrm>
             <a:off x="457200" y="704160"/>
-            <a:ext cx="8304120" cy="1142640"/>
+            <a:ext cx="8303400" cy="1142640"/>
           </a:xfrm>
           <a:prstGeom prst="rect">
             <a:avLst/>
@@ -3835,7 +3836,7 @@
         <p:spPr>
           <a:xfrm>
             <a:off x="-9360" y="-7200"/>
-            <a:ext cx="9161280" cy="1039680"/>
+            <a:ext cx="9160560" cy="1038960"/>
           </a:xfrm>
           <a:prstGeom prst="rect">
             <a:avLst/>
@@ -3865,7 +3866,7 @@
         <p:spPr>
           <a:xfrm>
             <a:off x="4381560" y="-7200"/>
-            <a:ext cx="4760640" cy="636480"/>
+            <a:ext cx="4759920" cy="635760"/>
           </a:xfrm>
           <a:prstGeom prst="rect">
             <a:avLst/>
@@ -3894,8 +3895,8 @@
         </p:nvSpPr>
         <p:spPr>
           <a:xfrm rot="21435600">
-            <a:off x="-17640" y="200520"/>
-            <a:ext cx="9161280" cy="647280"/>
+            <a:off x="-16920" y="199800"/>
+            <a:ext cx="9160560" cy="646560"/>
           </a:xfrm>
           <a:prstGeom prst="rect">
             <a:avLst/>
@@ -3917,8 +3918,8 @@
         </p:nvSpPr>
         <p:spPr>
           <a:xfrm rot="21435600">
-            <a:off x="-14040" y="275040"/>
-            <a:ext cx="9173880" cy="528480"/>
+            <a:off x="-13680" y="275040"/>
+            <a:ext cx="9173160" cy="527760"/>
           </a:xfrm>
           <a:prstGeom prst="rect">
             <a:avLst/>
@@ -3945,7 +3946,7 @@
         <p:spPr>
           <a:xfrm>
             <a:off x="457200" y="704160"/>
-            <a:ext cx="8304120" cy="1142640"/>
+            <a:ext cx="8303400" cy="1142640"/>
           </a:xfrm>
           <a:prstGeom prst="rect">
             <a:avLst/>
@@ -4260,7 +4261,7 @@
         <p:spPr>
           <a:xfrm>
             <a:off x="-9360" y="-7200"/>
-            <a:ext cx="9161280" cy="1039680"/>
+            <a:ext cx="9160560" cy="1038960"/>
           </a:xfrm>
           <a:prstGeom prst="rect">
             <a:avLst/>
@@ -4290,7 +4291,7 @@
         <p:spPr>
           <a:xfrm>
             <a:off x="4381560" y="-7200"/>
-            <a:ext cx="4760640" cy="636480"/>
+            <a:ext cx="4759920" cy="635760"/>
           </a:xfrm>
           <a:prstGeom prst="rect">
             <a:avLst/>
@@ -4319,8 +4320,8 @@
         </p:nvSpPr>
         <p:spPr>
           <a:xfrm rot="21435600">
-            <a:off x="-17640" y="200520"/>
-            <a:ext cx="9161280" cy="647280"/>
+            <a:off x="-16920" y="199800"/>
+            <a:ext cx="9160560" cy="646560"/>
           </a:xfrm>
           <a:prstGeom prst="rect">
             <a:avLst/>
@@ -4342,8 +4343,8 @@
         </p:nvSpPr>
         <p:spPr>
           <a:xfrm rot="21435600">
-            <a:off x="-14040" y="275040"/>
-            <a:ext cx="9173880" cy="528480"/>
+            <a:off x="-13680" y="275040"/>
+            <a:ext cx="9173160" cy="527760"/>
           </a:xfrm>
           <a:prstGeom prst="rect">
             <a:avLst/>
@@ -4557,7 +4558,7 @@
         <p:spPr>
           <a:xfrm>
             <a:off x="576000" y="1080000"/>
-            <a:ext cx="8304120" cy="4606560"/>
+            <a:ext cx="8303400" cy="4605840"/>
           </a:xfrm>
           <a:prstGeom prst="rect">
             <a:avLst/>
@@ -4573,7 +4574,7 @@
             <a:r>
               <a:rPr b="1" lang="en-IN" sz="2800">
                 <a:solidFill>
-                  <a:srgbClr val="000066"/>
+                  <a:srgbClr val="006699"/>
                 </a:solidFill>
                 <a:latin typeface="Constantia"/>
               </a:rPr>
@@ -4585,7 +4586,7 @@
             <a:r>
               <a:rPr b="1" lang="en-IN" sz="2800">
                 <a:solidFill>
-                  <a:srgbClr val="000066"/>
+                  <a:srgbClr val="006699"/>
                 </a:solidFill>
                 <a:latin typeface="Constantia"/>
               </a:rPr>
@@ -4602,7 +4603,7 @@
             <a:r>
               <a:rPr b="1" lang="en-IN" sz="2800">
                 <a:solidFill>
-                  <a:srgbClr val="000066"/>
+                  <a:srgbClr val="006699"/>
                 </a:solidFill>
                 <a:latin typeface="Constantia"/>
               </a:rPr>
@@ -4627,7 +4628,7 @@
         <p:spPr>
           <a:xfrm>
             <a:off x="466200" y="213480"/>
-            <a:ext cx="4284360" cy="2665080"/>
+            <a:ext cx="4283640" cy="2664360"/>
           </a:xfrm>
           <a:prstGeom prst="rect">
             <a:avLst/>
@@ -4744,14 +4745,14 @@
       </p:grpSpPr>
       <p:sp>
         <p:nvSpPr>
-          <p:cNvPr id="138" name="CustomShape 1"/>
+          <p:cNvPr id="137" name="CustomShape 1"/>
           <p:cNvSpPr/>
           <p:nvPr/>
         </p:nvSpPr>
         <p:spPr>
           <a:xfrm>
-            <a:off x="360000" y="5256000"/>
-            <a:ext cx="8304120" cy="1141200"/>
+            <a:off x="457200" y="704160"/>
+            <a:ext cx="8303400" cy="1140480"/>
           </a:xfrm>
           <a:prstGeom prst="rect">
             <a:avLst/>
@@ -4761,17 +4762,445 @@
             <a:noFill/>
           </a:ln>
         </p:spPr>
-      </p:sp>
-      <p:sp>
-        <p:nvSpPr>
-          <p:cNvPr id="139" name="CustomShape 2"/>
+        <p:txBody>
+          <a:bodyPr lIns="0" rIns="0" tIns="0" bIns="0" anchor="ctr"/>
+          <a:p>
+            <a:r>
+              <a:rPr b="1" lang="en-IN" sz="3600">
+                <a:solidFill>
+                  <a:srgbClr val="006699"/>
+                </a:solidFill>
+                <a:latin typeface="Liberation Sans;Arial"/>
+              </a:rPr>
+              <a:t>Future of Cloud Computing</a:t>
+            </a:r>
+            <a:endParaRPr/>
+          </a:p>
+        </p:txBody>
+      </p:sp>
+      <p:sp>
+        <p:nvSpPr>
+          <p:cNvPr id="138" name="CustomShape 2"/>
           <p:cNvSpPr/>
           <p:nvPr/>
         </p:nvSpPr>
         <p:spPr>
           <a:xfrm>
+            <a:off x="123840" y="1901520"/>
+            <a:ext cx="9234000" cy="1624320"/>
+          </a:xfrm>
+          <a:prstGeom prst="rect">
+            <a:avLst/>
+          </a:prstGeom>
+          <a:noFill/>
+          <a:ln>
+            <a:noFill/>
+          </a:ln>
+        </p:spPr>
+        <p:txBody>
+          <a:bodyPr lIns="90000" rIns="90000" tIns="45000" bIns="45000"/>
+          <a:p>
+            <a:r>
+              <a:rPr lang="en-IN">
+                <a:solidFill>
+                  <a:srgbClr val="006699"/>
+                </a:solidFill>
+                <a:latin typeface="Arial"/>
+              </a:rPr>
+              <a:t>A cloud allows users to access application, information, and data of all sorts on an online level rather than by use of actual hardware or devices. A company offering reliable cloud technology allows for computing to be done in a much more shared way, as a cloud provides a service rather than a product. Users get and share their information in a way that can allow them to access and give access to the whole world or any groups of people within their cloud.</a:t>
+            </a:r>
+            <a:endParaRPr/>
+          </a:p>
+        </p:txBody>
+      </p:sp>
+      <p:sp>
+        <p:nvSpPr>
+          <p:cNvPr id="139" name="CustomShape 3"/>
+          <p:cNvSpPr/>
+          <p:nvPr/>
+        </p:nvSpPr>
+        <p:spPr>
+          <a:xfrm>
+            <a:off x="0" y="3765600"/>
+            <a:ext cx="9304200" cy="2136240"/>
+          </a:xfrm>
+          <a:prstGeom prst="rect">
+            <a:avLst/>
+          </a:prstGeom>
+          <a:noFill/>
+          <a:ln>
+            <a:noFill/>
+          </a:ln>
+        </p:spPr>
+        <p:txBody>
+          <a:bodyPr lIns="90000" rIns="90000" tIns="45000" bIns="45000"/>
+          <a:p>
+            <a:r>
+              <a:rPr b="1" lang="en-IN">
+                <a:solidFill>
+                  <a:srgbClr val="006699"/>
+                </a:solidFill>
+                <a:latin typeface="Arial"/>
+              </a:rPr>
+              <a:t>WHAT THE FUTURE OF CLOUD COMPUTING HOLDS</a:t>
+            </a:r>
+            <a:endParaRPr/>
+          </a:p>
+          <a:p>
+            <a:endParaRPr/>
+          </a:p>
+          <a:p>
+            <a:r>
+              <a:rPr lang="en-IN">
+                <a:solidFill>
+                  <a:srgbClr val="006699"/>
+                </a:solidFill>
+                <a:latin typeface="Arial"/>
+              </a:rPr>
+              <a:t>With cloud computing and the technology behind it there are many potential opportunities and capabilities. Cloud computing can open a whole new world of jobs, services, platforms, applications, and much more. There are thousands of possibilities beginning to form as the future of cloud computing starts to really take off.</a:t>
+            </a:r>
+            <a:endParaRPr/>
+          </a:p>
+          <a:p>
+            <a:r>
+              <a:rPr lang="en-IN">
+                <a:solidFill>
+                  <a:srgbClr val="006699"/>
+                </a:solidFill>
+                <a:latin typeface="Arial"/>
+              </a:rPr>
+              <a:t>For instance, vendors and service providers can get on board to develop new and different ways of selling their goods and services to the cloud users through the cloud technology.</a:t>
+            </a:r>
+            <a:endParaRPr/>
+          </a:p>
+        </p:txBody>
+      </p:sp>
+    </p:spTree>
+  </p:cSld>
+  <p:timing>
+    <p:tnLst>
+      <p:par>
+        <p:cTn id="130" dur="indefinite" restart="never" nodeType="tmRoot">
+          <p:childTnLst>
+            <p:seq>
+              <p:cTn id="131" nodeType="mainSeq">
+                <p:childTnLst>
+                  <p:par>
+                    <p:cTn id="132" fill="freeze">
+                      <p:stCondLst>
+                        <p:cond delay="indefinite"/>
+                      </p:stCondLst>
+                      <p:childTnLst>
+                        <p:par>
+                          <p:cTn id="133" fill="freeze">
+                            <p:stCondLst>
+                              <p:cond delay="0"/>
+                            </p:stCondLst>
+                            <p:childTnLst>
+                              <p:par>
+                                <p:cTn id="134" nodeType="clickEffect" fill="hold" presetClass="entr" presetID="12" presetSubtype="4">
+                                  <p:stCondLst>
+                                    <p:cond delay="0"/>
+                                  </p:stCondLst>
+                                  <p:childTnLst>
+                                    <p:set>
+                                      <p:cBhvr>
+                                        <p:cTn id="135" dur="1" fill="hold">
+                                          <p:stCondLst>
+                                            <p:cond delay="0"/>
+                                          </p:stCondLst>
+                                        </p:cTn>
+                                        <p:tgtEl>
+                                          <p:spTgt spid="138">
+                                            <p:txEl>
+                                              <p:pRg st="0" end="461"/>
+                                            </p:txEl>
+                                          </p:spTgt>
+                                        </p:tgtEl>
+                                        <p:attrNameLst>
+                                          <p:attrName>style.visibility</p:attrName>
+                                        </p:attrNameLst>
+                                      </p:cBhvr>
+                                      <p:to>
+                                        <p:strVal val="visible"/>
+                                      </p:to>
+                                    </p:set>
+                                    <p:animEffect filter="slide(fromBottom)" transition="in">
+                                      <p:cBhvr additive="repl">
+                                        <p:cTn id="136" dur="500"/>
+                                        <p:tgtEl>
+                                          <p:spTgt spid="138">
+                                            <p:txEl>
+                                              <p:pRg st="0" end="461"/>
+                                            </p:txEl>
+                                          </p:spTgt>
+                                        </p:tgtEl>
+                                      </p:cBhvr>
+                                    </p:animEffect>
+                                  </p:childTnLst>
+                                </p:cTn>
+                              </p:par>
+                            </p:childTnLst>
+                          </p:cTn>
+                        </p:par>
+                      </p:childTnLst>
+                    </p:cTn>
+                  </p:par>
+                  <p:par>
+                    <p:cTn id="137" fill="freeze">
+                      <p:stCondLst>
+                        <p:cond delay="indefinite"/>
+                      </p:stCondLst>
+                      <p:childTnLst>
+                        <p:par>
+                          <p:cTn id="138" fill="freeze">
+                            <p:stCondLst>
+                              <p:cond delay="0"/>
+                            </p:stCondLst>
+                            <p:childTnLst>
+                              <p:par>
+                                <p:cTn id="139" nodeType="clickEffect" fill="hold" presetClass="entr" presetID="6" presetSubtype="16">
+                                  <p:stCondLst>
+                                    <p:cond delay="0"/>
+                                  </p:stCondLst>
+                                  <p:childTnLst>
+                                    <p:set>
+                                      <p:cBhvr>
+                                        <p:cTn id="140" dur="1" fill="hold">
+                                          <p:stCondLst>
+                                            <p:cond delay="0"/>
+                                          </p:stCondLst>
+                                        </p:cTn>
+                                        <p:tgtEl>
+                                          <p:spTgt spid="139">
+                                            <p:txEl>
+                                              <p:pRg st="0" end="41"/>
+                                            </p:txEl>
+                                          </p:spTgt>
+                                        </p:tgtEl>
+                                        <p:attrNameLst>
+                                          <p:attrName>style.visibility</p:attrName>
+                                        </p:attrNameLst>
+                                      </p:cBhvr>
+                                      <p:to>
+                                        <p:strVal val="visible"/>
+                                      </p:to>
+                                    </p:set>
+                                    <p:animEffect filter="circle(in)" transition="out">
+                                      <p:cBhvr additive="repl">
+                                        <p:cTn id="141" dur="2000"/>
+                                        <p:tgtEl>
+                                          <p:spTgt spid="139">
+                                            <p:txEl>
+                                              <p:pRg st="0" end="41"/>
+                                            </p:txEl>
+                                          </p:spTgt>
+                                        </p:tgtEl>
+                                      </p:cBhvr>
+                                    </p:animEffect>
+                                  </p:childTnLst>
+                                </p:cTn>
+                              </p:par>
+                            </p:childTnLst>
+                          </p:cTn>
+                        </p:par>
+                      </p:childTnLst>
+                    </p:cTn>
+                  </p:par>
+                  <p:par>
+                    <p:cTn id="142" fill="freeze">
+                      <p:stCondLst>
+                        <p:cond delay="indefinite"/>
+                      </p:stCondLst>
+                      <p:childTnLst>
+                        <p:par>
+                          <p:cTn id="143" fill="freeze">
+                            <p:stCondLst>
+                              <p:cond delay="0"/>
+                            </p:stCondLst>
+                            <p:childTnLst>
+                              <p:par>
+                                <p:cTn id="144" nodeType="clickEffect" fill="hold" presetClass="entr" presetID="6" presetSubtype="16">
+                                  <p:stCondLst>
+                                    <p:cond delay="0"/>
+                                  </p:stCondLst>
+                                  <p:childTnLst>
+                                    <p:set>
+                                      <p:cBhvr>
+                                        <p:cTn id="145" dur="1" fill="hold">
+                                          <p:stCondLst>
+                                            <p:cond delay="0"/>
+                                          </p:stCondLst>
+                                        </p:cTn>
+                                        <p:tgtEl>
+                                          <p:spTgt spid="139">
+                                            <p:txEl>
+                                              <p:pRg st="546" end="546"/>
+                                            </p:txEl>
+                                          </p:spTgt>
+                                        </p:tgtEl>
+                                        <p:attrNameLst>
+                                          <p:attrName>style.visibility</p:attrName>
+                                        </p:attrNameLst>
+                                      </p:cBhvr>
+                                      <p:to>
+                                        <p:strVal val="visible"/>
+                                      </p:to>
+                                    </p:set>
+                                    <p:animEffect filter="circle(in)" transition="out">
+                                      <p:cBhvr additive="repl">
+                                        <p:cTn id="146" dur="2000"/>
+                                        <p:tgtEl>
+                                          <p:spTgt spid="139">
+                                            <p:txEl>
+                                              <p:pRg st="546" end="546"/>
+                                            </p:txEl>
+                                          </p:spTgt>
+                                        </p:tgtEl>
+                                      </p:cBhvr>
+                                    </p:animEffect>
+                                  </p:childTnLst>
+                                </p:cTn>
+                              </p:par>
+                            </p:childTnLst>
+                          </p:cTn>
+                        </p:par>
+                      </p:childTnLst>
+                    </p:cTn>
+                  </p:par>
+                  <p:par>
+                    <p:cTn id="147" fill="freeze">
+                      <p:stCondLst>
+                        <p:cond delay="indefinite"/>
+                      </p:stCondLst>
+                      <p:childTnLst>
+                        <p:par>
+                          <p:cTn id="148" fill="freeze">
+                            <p:stCondLst>
+                              <p:cond delay="0"/>
+                            </p:stCondLst>
+                            <p:childTnLst>
+                              <p:par>
+                                <p:cTn id="149" nodeType="clickEffect" fill="hold" presetClass="entr" presetID="6" presetSubtype="16">
+                                  <p:stCondLst>
+                                    <p:cond delay="0"/>
+                                  </p:stCondLst>
+                                  <p:childTnLst>
+                                    <p:set>
+                                      <p:cBhvr>
+                                        <p:cTn id="150" dur="1" fill="hold">
+                                          <p:stCondLst>
+                                            <p:cond delay="0"/>
+                                          </p:stCondLst>
+                                        </p:cTn>
+                                        <p:tgtEl>
+                                          <p:spTgt spid="139">
+                                            <p:txEl>
+                                              <p:pRg st="546" end="546"/>
+                                            </p:txEl>
+                                          </p:spTgt>
+                                        </p:tgtEl>
+                                        <p:attrNameLst>
+                                          <p:attrName>style.visibility</p:attrName>
+                                        </p:attrNameLst>
+                                      </p:cBhvr>
+                                      <p:to>
+                                        <p:strVal val="visible"/>
+                                      </p:to>
+                                    </p:set>
+                                    <p:animEffect filter="circle(in)" transition="out">
+                                      <p:cBhvr additive="repl">
+                                        <p:cTn id="151" dur="2000"/>
+                                        <p:tgtEl>
+                                          <p:spTgt spid="139">
+                                            <p:txEl>
+                                              <p:pRg st="546" end="546"/>
+                                            </p:txEl>
+                                          </p:spTgt>
+                                        </p:tgtEl>
+                                      </p:cBhvr>
+                                    </p:animEffect>
+                                  </p:childTnLst>
+                                </p:cTn>
+                              </p:par>
+                            </p:childTnLst>
+                          </p:cTn>
+                        </p:par>
+                      </p:childTnLst>
+                    </p:cTn>
+                  </p:par>
+                </p:childTnLst>
+              </p:cTn>
+              <p:prevCondLst>
+                <p:cond delay="0" evt="onPrev">
+                  <p:tgtEl>
+                    <p:sldTgt/>
+                  </p:tgtEl>
+                </p:cond>
+              </p:prevCondLst>
+              <p:nextCondLst>
+                <p:cond delay="0" evt="onNext">
+                  <p:tgtEl>
+                    <p:sldTgt/>
+                  </p:tgtEl>
+                </p:cond>
+              </p:nextCondLst>
+            </p:seq>
+          </p:childTnLst>
+        </p:cTn>
+      </p:par>
+    </p:tnLst>
+  </p:timing>
+</p:sld>
+</file>
+
+<file path=ppt/slides/slide11.xml><?xml version="1.0" encoding="utf-8"?>
+<p:sld xmlns:a="http://schemas.openxmlformats.org/drawingml/2006/main" xmlns:p="http://schemas.openxmlformats.org/presentationml/2006/main" xmlns:r="http://schemas.openxmlformats.org/officeDocument/2006/relationships">
+  <p:cSld>
+    <p:spTree>
+      <p:nvGrpSpPr>
+        <p:cNvPr id="1" name=""/>
+        <p:cNvGrpSpPr/>
+        <p:nvPr/>
+      </p:nvGrpSpPr>
+      <p:grpSpPr>
+        <a:xfrm>
+          <a:off x="0" y="0"/>
+          <a:ext cx="0" cy="0"/>
+          <a:chOff x="0" y="0"/>
+          <a:chExt cx="0" cy="0"/>
+        </a:xfrm>
+      </p:grpSpPr>
+      <p:sp>
+        <p:nvSpPr>
+          <p:cNvPr id="140" name="CustomShape 1"/>
+          <p:cNvSpPr/>
+          <p:nvPr/>
+        </p:nvSpPr>
+        <p:spPr>
+          <a:xfrm>
+            <a:off x="360000" y="5256000"/>
+            <a:ext cx="8303400" cy="1140480"/>
+          </a:xfrm>
+          <a:prstGeom prst="rect">
+            <a:avLst/>
+          </a:prstGeom>
+          <a:noFill/>
+          <a:ln>
+            <a:noFill/>
+          </a:ln>
+        </p:spPr>
+      </p:sp>
+      <p:sp>
+        <p:nvSpPr>
+          <p:cNvPr id="141" name="CustomShape 2"/>
+          <p:cNvSpPr/>
+          <p:nvPr/>
+        </p:nvSpPr>
+        <p:spPr>
+          <a:xfrm>
             <a:off x="-14400" y="864000"/>
-            <a:ext cx="9244080" cy="3535920"/>
+            <a:ext cx="9243360" cy="3535200"/>
           </a:xfrm>
           <a:prstGeom prst="rect">
             <a:avLst/>
@@ -4790,7 +5219,10 @@
               </a:lnSpc>
             </a:pPr>
             <a:r>
-              <a:rPr lang="en-IN" sz="2800">
+              <a:rPr b="1" lang="en-IN" sz="2800">
+                <a:solidFill>
+                  <a:srgbClr val="006699"/>
+                </a:solidFill>
                 <a:latin typeface="Arial"/>
               </a:rPr>
               <a:t>Conclusion</a:t>
@@ -4822,7 +5254,7 @@
             <a:r>
               <a:rPr lang="en-IN" sz="2800">
                 <a:solidFill>
-                  <a:srgbClr val="000099"/>
+                  <a:srgbClr val="006699"/>
                 </a:solidFill>
                 <a:latin typeface="Arial"/>
               </a:rPr>
@@ -4890,7 +5322,7 @@
         <p:spPr>
           <a:xfrm>
             <a:off x="360000" y="0"/>
-            <a:ext cx="8401320" cy="6406920"/>
+            <a:ext cx="8400600" cy="6406200"/>
           </a:xfrm>
           <a:prstGeom prst="rect">
             <a:avLst/>
@@ -5198,14 +5630,335 @@
       </p:grpSpPr>
       <p:sp>
         <p:nvSpPr>
-          <p:cNvPr id="124" name="CustomShape 1"/>
+          <p:cNvPr id="124" name="TextShape 1"/>
+          <p:cNvSpPr txBox="1"/>
+          <p:nvPr/>
+        </p:nvSpPr>
+        <p:spPr>
+          <a:xfrm>
+            <a:off x="457200" y="704160"/>
+            <a:ext cx="8303400" cy="1142640"/>
+          </a:xfrm>
+          <a:prstGeom prst="rect">
+            <a:avLst/>
+          </a:prstGeom>
+        </p:spPr>
+        <p:txBody>
+          <a:bodyPr lIns="0" rIns="0" tIns="0" bIns="0" anchor="ctr"/>
+          <a:p>
+            <a:pPr algn="ctr">
+              <a:lnSpc>
+                <a:spcPct val="90000"/>
+              </a:lnSpc>
+            </a:pPr>
+            <a:r>
+              <a:rPr b="1" lang="en-IN" sz="4400">
+                <a:solidFill>
+                  <a:srgbClr val="006666"/>
+                </a:solidFill>
+                <a:latin typeface="Calibri Light"/>
+              </a:rPr>
+              <a:t>Several Historical Trends</a:t>
+            </a:r>
+            <a:endParaRPr/>
+          </a:p>
+        </p:txBody>
+      </p:sp>
+      <p:sp>
+        <p:nvSpPr>
+          <p:cNvPr id="125" name="TextShape 2"/>
+          <p:cNvSpPr txBox="1"/>
+          <p:nvPr/>
+        </p:nvSpPr>
+        <p:spPr>
+          <a:xfrm>
+            <a:off x="216000" y="1584000"/>
+            <a:ext cx="10515240" cy="5060160"/>
+          </a:xfrm>
+          <a:prstGeom prst="rect">
+            <a:avLst/>
+          </a:prstGeom>
+        </p:spPr>
+        <p:txBody>
+          <a:bodyPr/>
+          <a:p>
+            <a:pPr>
+              <a:lnSpc>
+                <a:spcPct val="90000"/>
+              </a:lnSpc>
+              <a:buFont typeface="Arial"/>
+              <a:buChar char="•"/>
+            </a:pPr>
+            <a:r>
+              <a:rPr lang="en-IN" sz="2800">
+                <a:solidFill>
+                  <a:srgbClr val="006699"/>
+                </a:solidFill>
+                <a:latin typeface="Calibri"/>
+              </a:rPr>
+              <a:t>Shared Utility Computing</a:t>
+            </a:r>
+            <a:endParaRPr/>
+          </a:p>
+          <a:p>
+            <a:pPr lvl="1">
+              <a:lnSpc>
+                <a:spcPct val="100000"/>
+              </a:lnSpc>
+              <a:buFont typeface="Arial"/>
+              <a:buChar char="•"/>
+            </a:pPr>
+            <a:r>
+              <a:rPr lang="en-IN" sz="2400">
+                <a:solidFill>
+                  <a:srgbClr val="006699"/>
+                </a:solidFill>
+                <a:latin typeface="Calibri"/>
+              </a:rPr>
+              <a:t>1960s – MULTICS – Concept of a Shared Computing Utility</a:t>
+            </a:r>
+            <a:endParaRPr/>
+          </a:p>
+          <a:p>
+            <a:pPr lvl="1">
+              <a:lnSpc>
+                <a:spcPct val="100000"/>
+              </a:lnSpc>
+              <a:buFont typeface="Arial"/>
+              <a:buChar char="•"/>
+            </a:pPr>
+            <a:r>
+              <a:rPr lang="en-IN" sz="2400">
+                <a:solidFill>
+                  <a:srgbClr val="006699"/>
+                </a:solidFill>
+                <a:latin typeface="Calibri"/>
+              </a:rPr>
+              <a:t>1970s – IBM Mainframes – rent by the CPU-hour.  (Fast/slow switch.)</a:t>
+            </a:r>
+            <a:endParaRPr/>
+          </a:p>
+          <a:p>
+            <a:pPr>
+              <a:lnSpc>
+                <a:spcPct val="90000"/>
+              </a:lnSpc>
+              <a:buFont typeface="Arial"/>
+              <a:buChar char="•"/>
+            </a:pPr>
+            <a:r>
+              <a:rPr lang="en-IN" sz="2800">
+                <a:solidFill>
+                  <a:srgbClr val="006699"/>
+                </a:solidFill>
+                <a:latin typeface="Calibri"/>
+              </a:rPr>
+              <a:t>Data Center Co-location</a:t>
+            </a:r>
+            <a:endParaRPr/>
+          </a:p>
+          <a:p>
+            <a:pPr lvl="1">
+              <a:lnSpc>
+                <a:spcPct val="100000"/>
+              </a:lnSpc>
+              <a:buFont typeface="Arial"/>
+              <a:buChar char="•"/>
+            </a:pPr>
+            <a:r>
+              <a:rPr lang="en-IN" sz="2400">
+                <a:solidFill>
+                  <a:srgbClr val="006699"/>
+                </a:solidFill>
+                <a:latin typeface="Calibri"/>
+              </a:rPr>
+              <a:t>1990s-2000s – Rent machines for months/years, keep them close to the network access point and pay a flat rate.  Avoid running your own building with utilities!</a:t>
+            </a:r>
+            <a:endParaRPr/>
+          </a:p>
+          <a:p>
+            <a:pPr>
+              <a:lnSpc>
+                <a:spcPct val="90000"/>
+              </a:lnSpc>
+              <a:buFont typeface="Arial"/>
+              <a:buChar char="•"/>
+            </a:pPr>
+            <a:r>
+              <a:rPr lang="en-IN" sz="2800">
+                <a:solidFill>
+                  <a:srgbClr val="006699"/>
+                </a:solidFill>
+                <a:latin typeface="Calibri"/>
+              </a:rPr>
+              <a:t>Pay as You Go</a:t>
+            </a:r>
+            <a:endParaRPr/>
+          </a:p>
+          <a:p>
+            <a:pPr lvl="1">
+              <a:lnSpc>
+                <a:spcPct val="100000"/>
+              </a:lnSpc>
+              <a:buFont typeface="Arial"/>
+              <a:buChar char="•"/>
+            </a:pPr>
+            <a:r>
+              <a:rPr lang="en-IN" sz="2400">
+                <a:solidFill>
+                  <a:srgbClr val="006699"/>
+                </a:solidFill>
+                <a:latin typeface="Calibri"/>
+              </a:rPr>
+              <a:t>Early 2000s - Submit jobs to a remote service provider where they run on the raw hardware.  Sun Cloud ($1/CPU-hour, Solaris +SGE)  IBM Deep Capacity Computing on Demand (50 cents/hour)</a:t>
+            </a:r>
+            <a:endParaRPr/>
+          </a:p>
+          <a:p>
+            <a:pPr>
+              <a:lnSpc>
+                <a:spcPct val="90000"/>
+              </a:lnSpc>
+              <a:buFont typeface="Arial"/>
+              <a:buChar char="•"/>
+            </a:pPr>
+            <a:r>
+              <a:rPr lang="en-IN" sz="2800">
+                <a:solidFill>
+                  <a:srgbClr val="006699"/>
+                </a:solidFill>
+                <a:latin typeface="Calibri"/>
+              </a:rPr>
+              <a:t>Virtualization</a:t>
+            </a:r>
+            <a:endParaRPr/>
+          </a:p>
+          <a:p>
+            <a:pPr lvl="1">
+              <a:lnSpc>
+                <a:spcPct val="100000"/>
+              </a:lnSpc>
+              <a:buFont typeface="Arial"/>
+              <a:buChar char="•"/>
+            </a:pPr>
+            <a:r>
+              <a:rPr lang="en-IN" sz="2400">
+                <a:solidFill>
+                  <a:srgbClr val="006699"/>
+                </a:solidFill>
+                <a:latin typeface="Calibri"/>
+              </a:rPr>
+              <a:t>1960s – OS-VM, VM-360 – Used to split mainframes into logical partitions.</a:t>
+            </a:r>
+            <a:endParaRPr/>
+          </a:p>
+          <a:p>
+            <a:pPr lvl="1">
+              <a:lnSpc>
+                <a:spcPct val="100000"/>
+              </a:lnSpc>
+              <a:buFont typeface="Arial"/>
+              <a:buChar char="•"/>
+            </a:pPr>
+            <a:r>
+              <a:rPr lang="en-IN" sz="2400">
+                <a:solidFill>
+                  <a:srgbClr val="006699"/>
+                </a:solidFill>
+                <a:latin typeface="Calibri"/>
+              </a:rPr>
+              <a:t>1998 – VMWare – First practical implementation on X86, but at significant performance hit.</a:t>
+            </a:r>
+            <a:endParaRPr/>
+          </a:p>
+          <a:p>
+            <a:pPr lvl="1">
+              <a:lnSpc>
+                <a:spcPct val="100000"/>
+              </a:lnSpc>
+              <a:buFont typeface="Arial"/>
+              <a:buChar char="•"/>
+            </a:pPr>
+            <a:r>
+              <a:rPr lang="en-IN" sz="2400">
+                <a:solidFill>
+                  <a:srgbClr val="006699"/>
+                </a:solidFill>
+                <a:latin typeface="Calibri"/>
+              </a:rPr>
+              <a:t>2003 – Xen paravirtualization provides much perf, but kernel must assist.</a:t>
+            </a:r>
+            <a:endParaRPr/>
+          </a:p>
+          <a:p>
+            <a:pPr lvl="1">
+              <a:lnSpc>
+                <a:spcPct val="100000"/>
+              </a:lnSpc>
+              <a:buFont typeface="Arial"/>
+              <a:buChar char="•"/>
+            </a:pPr>
+            <a:r>
+              <a:rPr lang="en-IN" sz="2400">
+                <a:solidFill>
+                  <a:srgbClr val="006699"/>
+                </a:solidFill>
+                <a:latin typeface="Calibri"/>
+              </a:rPr>
+              <a:t>Late 2000s – Intel and AMD add hardware support for virtualization.</a:t>
+            </a:r>
+            <a:endParaRPr/>
+          </a:p>
+          <a:p>
+            <a:pPr>
+              <a:lnSpc>
+                <a:spcPct val="90000"/>
+              </a:lnSpc>
+            </a:pPr>
+            <a:endParaRPr/>
+          </a:p>
+          <a:p>
+            <a:pPr>
+              <a:lnSpc>
+                <a:spcPct val="90000"/>
+              </a:lnSpc>
+            </a:pPr>
+            <a:endParaRPr/>
+          </a:p>
+        </p:txBody>
+      </p:sp>
+    </p:spTree>
+  </p:cSld>
+</p:sld>
+</file>
+
+<file path=ppt/slides/slide4.xml><?xml version="1.0" encoding="utf-8"?>
+<p:sld xmlns:a="http://schemas.openxmlformats.org/drawingml/2006/main" xmlns:p="http://schemas.openxmlformats.org/presentationml/2006/main" xmlns:r="http://schemas.openxmlformats.org/officeDocument/2006/relationships">
+  <p:cSld>
+    <p:spTree>
+      <p:nvGrpSpPr>
+        <p:cNvPr id="1" name=""/>
+        <p:cNvGrpSpPr/>
+        <p:nvPr/>
+      </p:nvGrpSpPr>
+      <p:grpSpPr>
+        <a:xfrm>
+          <a:off x="0" y="0"/>
+          <a:ext cx="0" cy="0"/>
+          <a:chOff x="0" y="0"/>
+          <a:chExt cx="0" cy="0"/>
+        </a:xfrm>
+      </p:grpSpPr>
+      <p:sp>
+        <p:nvSpPr>
+          <p:cNvPr id="126" name="CustomShape 1"/>
           <p:cNvSpPr/>
           <p:nvPr/>
         </p:nvSpPr>
         <p:spPr>
           <a:xfrm>
             <a:off x="406440" y="1944000"/>
-            <a:ext cx="8304120" cy="3238560"/>
+            <a:ext cx="8303400" cy="3237840"/>
           </a:xfrm>
           <a:prstGeom prst="rect">
             <a:avLst/>
@@ -5296,14 +6049,14 @@
       </p:sp>
       <p:sp>
         <p:nvSpPr>
-          <p:cNvPr id="125" name="CustomShape 2"/>
+          <p:cNvPr id="127" name="CustomShape 2"/>
           <p:cNvSpPr/>
           <p:nvPr/>
         </p:nvSpPr>
         <p:spPr>
           <a:xfrm>
             <a:off x="2232000" y="672480"/>
-            <a:ext cx="5254560" cy="1014120"/>
+            <a:ext cx="5253840" cy="1013400"/>
           </a:xfrm>
           <a:prstGeom prst="rect">
             <a:avLst/>
@@ -5324,7 +6077,7 @@
             <a:r>
               <a:rPr b="1" lang="en-IN" sz="3600">
                 <a:solidFill>
-                  <a:srgbClr val="000099"/>
+                  <a:srgbClr val="006699"/>
                 </a:solidFill>
                 <a:latin typeface="Times New Roman"/>
               </a:rPr>
@@ -5370,7 +6123,7 @@
                                           </p:stCondLst>
                                         </p:cTn>
                                         <p:tgtEl>
-                                          <p:spTgt spid="124">
+                                          <p:spTgt spid="126">
                                             <p:txEl>
                                               <p:pRg st="0" end="139"/>
                                             </p:txEl>
@@ -5388,161 +6141,11 @@
                                       <p:cBhvr additive="repl">
                                         <p:cTn id="26" dur="500"/>
                                         <p:tgtEl>
-                                          <p:spTgt spid="124">
+                                          <p:spTgt spid="126">
                                             <p:txEl>
                                               <p:pRg st="0" end="139"/>
                                             </p:txEl>
                                           </p:spTgt>
-                                        </p:tgtEl>
-                                      </p:cBhvr>
-                                    </p:animEffect>
-                                  </p:childTnLst>
-                                </p:cTn>
-                              </p:par>
-                            </p:childTnLst>
-                          </p:cTn>
-                        </p:par>
-                      </p:childTnLst>
-                    </p:cTn>
-                  </p:par>
-                </p:childTnLst>
-              </p:cTn>
-              <p:prevCondLst>
-                <p:cond delay="0" evt="onPrev">
-                  <p:tgtEl>
-                    <p:sldTgt/>
-                  </p:tgtEl>
-                </p:cond>
-              </p:prevCondLst>
-              <p:nextCondLst>
-                <p:cond delay="0" evt="onNext">
-                  <p:tgtEl>
-                    <p:sldTgt/>
-                  </p:tgtEl>
-                </p:cond>
-              </p:nextCondLst>
-            </p:seq>
-          </p:childTnLst>
-        </p:cTn>
-      </p:par>
-    </p:tnLst>
-  </p:timing>
-</p:sld>
-</file>
-
-<file path=ppt/slides/slide4.xml><?xml version="1.0" encoding="utf-8"?>
-<p:sld xmlns:a="http://schemas.openxmlformats.org/drawingml/2006/main" xmlns:p="http://schemas.openxmlformats.org/presentationml/2006/main" xmlns:r="http://schemas.openxmlformats.org/officeDocument/2006/relationships">
-  <p:cSld>
-    <p:spTree>
-      <p:nvGrpSpPr>
-        <p:cNvPr id="1" name=""/>
-        <p:cNvGrpSpPr/>
-        <p:nvPr/>
-      </p:nvGrpSpPr>
-      <p:grpSpPr>
-        <a:xfrm>
-          <a:off x="0" y="0"/>
-          <a:ext cx="0" cy="0"/>
-          <a:chOff x="0" y="0"/>
-          <a:chExt cx="0" cy="0"/>
-        </a:xfrm>
-      </p:grpSpPr>
-      <p:sp>
-        <p:nvSpPr>
-          <p:cNvPr id="126" name="CustomShape 1"/>
-          <p:cNvSpPr/>
-          <p:nvPr/>
-        </p:nvSpPr>
-        <p:spPr>
-          <a:xfrm>
-            <a:off x="457200" y="704160"/>
-            <a:ext cx="8304120" cy="1141200"/>
-          </a:xfrm>
-          <a:prstGeom prst="rect">
-            <a:avLst/>
-          </a:prstGeom>
-          <a:noFill/>
-          <a:ln>
-            <a:noFill/>
-          </a:ln>
-        </p:spPr>
-      </p:sp>
-      <p:pic>
-        <p:nvPicPr>
-          <p:cNvPr id="127" name="" descr=""/>
-          <p:cNvPicPr/>
-          <p:nvPr/>
-        </p:nvPicPr>
-        <p:blipFill>
-          <a:blip r:embed="rId1"/>
-          <a:stretch>
-            <a:fillRect/>
-          </a:stretch>
-        </p:blipFill>
-        <p:spPr>
-          <a:xfrm>
-            <a:off x="36360" y="30960"/>
-            <a:ext cx="9142200" cy="6856200"/>
-          </a:xfrm>
-          <a:prstGeom prst="rect">
-            <a:avLst/>
-          </a:prstGeom>
-          <a:ln>
-            <a:noFill/>
-          </a:ln>
-        </p:spPr>
-      </p:pic>
-    </p:spTree>
-  </p:cSld>
-  <p:timing>
-    <p:tnLst>
-      <p:par>
-        <p:cTn id="27" dur="indefinite" restart="never" nodeType="tmRoot">
-          <p:childTnLst>
-            <p:seq>
-              <p:cTn id="28" nodeType="mainSeq">
-                <p:childTnLst>
-                  <p:par>
-                    <p:cTn id="29" fill="freeze">
-                      <p:stCondLst>
-                        <p:cond delay="indefinite"/>
-                      </p:stCondLst>
-                      <p:childTnLst>
-                        <p:par>
-                          <p:cTn id="30" fill="freeze">
-                            <p:stCondLst>
-                              <p:cond delay="0"/>
-                            </p:stCondLst>
-                            <p:childTnLst>
-                              <p:par>
-                                <p:cTn id="31" nodeType="clickEffect" fill="hold" presetClass="entr" presetID="13" presetSubtype="16">
-                                  <p:stCondLst>
-                                    <p:cond delay="0"/>
-                                  </p:stCondLst>
-                                  <p:childTnLst>
-                                    <p:set>
-                                      <p:cBhvr>
-                                        <p:cTn id="32" dur="1" fill="hold">
-                                          <p:stCondLst>
-                                            <p:cond delay="0"/>
-                                          </p:stCondLst>
-                                        </p:cTn>
-                                        <p:tgtEl>
-                                          <p:spTgt spid="127"/>
-                                        </p:tgtEl>
-                                        <p:attrNameLst>
-                                          <p:attrName>style.visibility</p:attrName>
-                                        </p:attrNameLst>
-                                      </p:cBhvr>
-                                      <p:to>
-                                        <p:strVal val="visible"/>
-                                      </p:to>
-                                    </p:set>
-                                    <p:animEffect filter="plus(in)" transition="in">
-                                      <p:cBhvr additive="repl">
-                                        <p:cTn id="33" dur="2000"/>
-                                        <p:tgtEl>
-                                          <p:spTgt spid="127"/>
                                         </p:tgtEl>
                                       </p:cBhvr>
                                     </p:animEffect>
@@ -5597,9 +6200,29 @@
           <a:chExt cx="0" cy="0"/>
         </a:xfrm>
       </p:grpSpPr>
+      <p:sp>
+        <p:nvSpPr>
+          <p:cNvPr id="128" name="CustomShape 1"/>
+          <p:cNvSpPr/>
+          <p:nvPr/>
+        </p:nvSpPr>
+        <p:spPr>
+          <a:xfrm>
+            <a:off x="457200" y="704160"/>
+            <a:ext cx="8303400" cy="1140480"/>
+          </a:xfrm>
+          <a:prstGeom prst="rect">
+            <a:avLst/>
+          </a:prstGeom>
+          <a:noFill/>
+          <a:ln>
+            <a:noFill/>
+          </a:ln>
+        </p:spPr>
+      </p:sp>
       <p:pic>
         <p:nvPicPr>
-          <p:cNvPr id="128" name="" descr=""/>
+          <p:cNvPr id="129" name="" descr=""/>
           <p:cNvPicPr/>
           <p:nvPr/>
         </p:nvPicPr>
@@ -5611,8 +6234,8 @@
         </p:blipFill>
         <p:spPr>
           <a:xfrm>
-            <a:off x="792000" y="3312000"/>
-            <a:ext cx="8062560" cy="3338640"/>
+            <a:off x="36360" y="30960"/>
+            <a:ext cx="9141480" cy="6855480"/>
           </a:xfrm>
           <a:prstGeom prst="rect">
             <a:avLst/>
@@ -5622,163 +6245,43 @@
           </a:ln>
         </p:spPr>
       </p:pic>
-      <p:sp>
-        <p:nvSpPr>
-          <p:cNvPr id="129" name="CustomShape 1"/>
-          <p:cNvSpPr/>
-          <p:nvPr/>
-        </p:nvSpPr>
-        <p:spPr>
-          <a:xfrm>
-            <a:off x="504000" y="792000"/>
-            <a:ext cx="8305560" cy="2850840"/>
-          </a:xfrm>
-          <a:prstGeom prst="rect">
-            <a:avLst/>
-          </a:prstGeom>
-          <a:noFill/>
-          <a:ln>
-            <a:noFill/>
-          </a:ln>
-        </p:spPr>
-        <p:txBody>
-          <a:bodyPr lIns="90000" rIns="90000" tIns="45000" bIns="45000"/>
-          <a:p>
-            <a:r>
-              <a:rPr lang="en-IN" sz="2000">
-                <a:solidFill>
-                  <a:srgbClr val="336699"/>
-                </a:solidFill>
-                <a:latin typeface="Arial"/>
-              </a:rPr>
-              <a:t>Based on a service that the cloud is offering, we are speaking of either:</a:t>
-            </a:r>
-            <a:endParaRPr/>
-          </a:p>
-          <a:p>
-            <a:pPr>
-              <a:lnSpc>
-                <a:spcPct val="100000"/>
-              </a:lnSpc>
-              <a:buSzPct val="45000"/>
-              <a:buFont typeface="StarSymbol"/>
-              <a:buChar char="l"/>
-            </a:pPr>
-            <a:r>
-              <a:rPr lang="en-IN" sz="2000">
-                <a:solidFill>
-                  <a:srgbClr val="336699"/>
-                </a:solidFill>
-                <a:latin typeface="Arial"/>
-              </a:rPr>
-              <a:t>IaaS (Infrastructure-as-a-Service)</a:t>
-            </a:r>
-            <a:endParaRPr/>
-          </a:p>
-          <a:p>
-            <a:pPr>
-              <a:lnSpc>
-                <a:spcPct val="100000"/>
-              </a:lnSpc>
-              <a:buSzPct val="45000"/>
-              <a:buFont typeface="StarSymbol"/>
-              <a:buChar char="l"/>
-            </a:pPr>
-            <a:r>
-              <a:rPr lang="en-IN" sz="2000">
-                <a:solidFill>
-                  <a:srgbClr val="336699"/>
-                </a:solidFill>
-                <a:latin typeface="Arial"/>
-              </a:rPr>
-              <a:t>PaaS (Platform-as-a-Service)</a:t>
-            </a:r>
-            <a:endParaRPr/>
-          </a:p>
-          <a:p>
-            <a:pPr>
-              <a:lnSpc>
-                <a:spcPct val="100000"/>
-              </a:lnSpc>
-              <a:buSzPct val="45000"/>
-              <a:buFont typeface="StarSymbol"/>
-              <a:buChar char="l"/>
-            </a:pPr>
-            <a:r>
-              <a:rPr lang="en-IN" sz="2000">
-                <a:solidFill>
-                  <a:srgbClr val="336699"/>
-                </a:solidFill>
-                <a:latin typeface="Arial"/>
-              </a:rPr>
-              <a:t>SaaS (Software-as-a-Service)</a:t>
-            </a:r>
-            <a:endParaRPr/>
-          </a:p>
-          <a:p>
-            <a:pPr>
-              <a:lnSpc>
-                <a:spcPct val="100000"/>
-              </a:lnSpc>
-            </a:pPr>
-            <a:r>
-              <a:rPr lang="en-IN" sz="2000">
-                <a:solidFill>
-                  <a:srgbClr val="336699"/>
-                </a:solidFill>
-                <a:latin typeface="Arial"/>
-              </a:rPr>
-              <a:t>or, Storage, Database, Information, Process, Application, Integration, Security, Management, Testing-as-a-service</a:t>
-            </a:r>
-            <a:endParaRPr/>
-          </a:p>
-          <a:p>
-            <a:pPr>
-              <a:lnSpc>
-                <a:spcPct val="100000"/>
-              </a:lnSpc>
-            </a:pPr>
-            <a:endParaRPr/>
-          </a:p>
-        </p:txBody>
-      </p:sp>
     </p:spTree>
   </p:cSld>
   <p:timing>
     <p:tnLst>
       <p:par>
-        <p:cTn id="34" dur="indefinite" restart="never" nodeType="tmRoot">
+        <p:cTn id="27" dur="indefinite" restart="never" nodeType="tmRoot">
           <p:childTnLst>
             <p:seq>
-              <p:cTn id="35" nodeType="mainSeq">
+              <p:cTn id="28" nodeType="mainSeq">
                 <p:childTnLst>
                   <p:par>
-                    <p:cTn id="36" fill="freeze">
+                    <p:cTn id="29" fill="freeze">
                       <p:stCondLst>
                         <p:cond delay="indefinite"/>
                       </p:stCondLst>
                       <p:childTnLst>
                         <p:par>
-                          <p:cTn id="37" fill="freeze">
+                          <p:cTn id="30" fill="freeze">
                             <p:stCondLst>
                               <p:cond delay="0"/>
                             </p:stCondLst>
                             <p:childTnLst>
                               <p:par>
-                                <p:cTn id="38" nodeType="clickEffect" fill="hold" presetClass="entr" presetID="6" presetSubtype="16">
+                                <p:cTn id="31" nodeType="clickEffect" fill="hold" presetClass="entr" presetID="13" presetSubtype="16">
                                   <p:stCondLst>
                                     <p:cond delay="0"/>
                                   </p:stCondLst>
                                   <p:childTnLst>
                                     <p:set>
                                       <p:cBhvr>
-                                        <p:cTn id="39" dur="1" fill="hold">
+                                        <p:cTn id="32" dur="1" fill="hold">
                                           <p:stCondLst>
                                             <p:cond delay="0"/>
                                           </p:stCondLst>
                                         </p:cTn>
                                         <p:tgtEl>
-                                          <p:spTgt spid="128"/>
+                                          <p:spTgt spid="129"/>
                                         </p:tgtEl>
                                         <p:attrNameLst>
                                           <p:attrName>style.visibility</p:attrName>
@@ -5788,11 +6291,11 @@
                                         <p:strVal val="visible"/>
                                       </p:to>
                                     </p:set>
-                                    <p:animEffect filter="circle(in)" transition="out">
+                                    <p:animEffect filter="plus(in)" transition="in">
                                       <p:cBhvr additive="repl">
-                                        <p:cTn id="40" dur="2000"/>
+                                        <p:cTn id="33" dur="2000"/>
                                         <p:tgtEl>
-                                          <p:spTgt spid="128"/>
+                                          <p:spTgt spid="129"/>
                                         </p:tgtEl>
                                       </p:cBhvr>
                                     </p:animEffect>
@@ -5847,16 +6350,41 @@
           <a:chExt cx="0" cy="0"/>
         </a:xfrm>
       </p:grpSpPr>
-      <p:sp>
-        <p:nvSpPr>
-          <p:cNvPr id="130" name="CustomShape 1"/>
+      <p:pic>
+        <p:nvPicPr>
+          <p:cNvPr id="130" name="" descr=""/>
+          <p:cNvPicPr/>
+          <p:nvPr/>
+        </p:nvPicPr>
+        <p:blipFill>
+          <a:blip r:embed="rId1"/>
+          <a:stretch>
+            <a:fillRect/>
+          </a:stretch>
+        </p:blipFill>
+        <p:spPr>
+          <a:xfrm>
+            <a:off x="792000" y="3312000"/>
+            <a:ext cx="8061840" cy="3337920"/>
+          </a:xfrm>
+          <a:prstGeom prst="rect">
+            <a:avLst/>
+          </a:prstGeom>
+          <a:ln>
+            <a:noFill/>
+          </a:ln>
+        </p:spPr>
+      </p:pic>
+      <p:sp>
+        <p:nvSpPr>
+          <p:cNvPr id="131" name="CustomShape 1"/>
           <p:cNvSpPr/>
           <p:nvPr/>
         </p:nvSpPr>
         <p:spPr>
           <a:xfrm>
-            <a:off x="457200" y="704160"/>
-            <a:ext cx="8304120" cy="1141200"/>
+            <a:off x="504000" y="792000"/>
+            <a:ext cx="8304840" cy="2850120"/>
           </a:xfrm>
           <a:prstGeom prst="rect">
             <a:avLst/>
@@ -5867,56 +6395,16 @@
           </a:ln>
         </p:spPr>
         <p:txBody>
-          <a:bodyPr lIns="0" rIns="0" tIns="0" bIns="0" anchor="ctr"/>
-          <a:p>
-            <a:pPr algn="ctr">
-              <a:lnSpc>
-                <a:spcPct val="100000"/>
-              </a:lnSpc>
-            </a:pPr>
-            <a:r>
-              <a:rPr b="1" lang="en-IN" sz="2400">
+          <a:bodyPr lIns="90000" rIns="90000" tIns="45000" bIns="45000"/>
+          <a:p>
+            <a:r>
+              <a:rPr lang="en-IN" sz="2000">
                 <a:solidFill>
                   <a:srgbClr val="336699"/>
                 </a:solidFill>
-                <a:latin typeface="Times New Roman"/>
-              </a:rPr>
-              <a:t>Advantages and Disadvantages of Cloud</a:t>
-            </a:r>
-            <a:endParaRPr/>
-          </a:p>
-        </p:txBody>
-      </p:sp>
-      <p:sp>
-        <p:nvSpPr>
-          <p:cNvPr id="131" name="CustomShape 2"/>
-          <p:cNvSpPr/>
-          <p:nvPr/>
-        </p:nvSpPr>
-        <p:spPr>
-          <a:xfrm>
-            <a:off x="304200" y="1566720"/>
-            <a:ext cx="4014360" cy="3975840"/>
-          </a:xfrm>
-          <a:prstGeom prst="rect">
-            <a:avLst/>
-          </a:prstGeom>
-          <a:noFill/>
-          <a:ln>
-            <a:noFill/>
-          </a:ln>
-        </p:spPr>
-        <p:txBody>
-          <a:bodyPr lIns="0" rIns="0" tIns="0" bIns="0"/>
-          <a:p>
-            <a:r>
-              <a:rPr b="1" lang="en-IN" sz="2400">
-                <a:solidFill>
-                  <a:srgbClr val="336699"/>
-                </a:solidFill>
-                <a:latin typeface="Constantia"/>
-              </a:rPr>
-              <a:t>Advantages</a:t>
+                <a:latin typeface="Arial"/>
+              </a:rPr>
+              <a:t>Based on a service that the cloud is offering, we are speaking of either:</a:t>
             </a:r>
             <a:endParaRPr/>
           </a:p>
@@ -5930,13 +6418,13 @@
               <a:buChar char="l"/>
             </a:pPr>
             <a:r>
-              <a:rPr b="1" lang="en-IN" sz="2400">
+              <a:rPr lang="en-IN" sz="2000">
                 <a:solidFill>
-                  <a:srgbClr val="006699"/>
+                  <a:srgbClr val="336699"/>
                 </a:solidFill>
-                <a:latin typeface="Constantia"/>
-              </a:rPr>
-              <a:t>Cost Saving</a:t>
+                <a:latin typeface="Arial"/>
+              </a:rPr>
+              <a:t>IaaS (Infrastructure-as-a-Service)</a:t>
             </a:r>
             <a:endParaRPr/>
           </a:p>
@@ -5950,13 +6438,13 @@
               <a:buChar char="l"/>
             </a:pPr>
             <a:r>
-              <a:rPr b="1" lang="en-IN" sz="2600">
+              <a:rPr lang="en-IN" sz="2000">
                 <a:solidFill>
-                  <a:srgbClr val="006699"/>
+                  <a:srgbClr val="336699"/>
                 </a:solidFill>
-                <a:latin typeface="Constantia"/>
-              </a:rPr>
-              <a:t>Reliability</a:t>
+                <a:latin typeface="Arial"/>
+              </a:rPr>
+              <a:t>PaaS (Platform-as-a-Service)</a:t>
             </a:r>
             <a:endParaRPr/>
           </a:p>
@@ -5970,73 +6458,13 @@
               <a:buChar char="l"/>
             </a:pPr>
             <a:r>
-              <a:rPr b="1" lang="en-IN" sz="2600">
+              <a:rPr lang="en-IN" sz="2000">
                 <a:solidFill>
-                  <a:srgbClr val="006699"/>
+                  <a:srgbClr val="336699"/>
                 </a:solidFill>
-                <a:latin typeface="Constantia"/>
-              </a:rPr>
-              <a:t>Easy Access to information</a:t>
-            </a:r>
-            <a:endParaRPr/>
-          </a:p>
-          <a:p>
-            <a:pPr>
-              <a:lnSpc>
-                <a:spcPct val="100000"/>
-              </a:lnSpc>
-              <a:buSzPct val="45000"/>
-              <a:buFont typeface="StarSymbol"/>
-              <a:buChar char="l"/>
-            </a:pPr>
-            <a:r>
-              <a:rPr b="1" lang="en-IN" sz="2600">
-                <a:solidFill>
-                  <a:srgbClr val="006699"/>
-                </a:solidFill>
-                <a:latin typeface="Constantia"/>
-              </a:rPr>
-              <a:t>Strategic Edge</a:t>
-            </a:r>
-            <a:endParaRPr/>
-          </a:p>
-          <a:p>
-            <a:pPr>
-              <a:lnSpc>
-                <a:spcPct val="100000"/>
-              </a:lnSpc>
-              <a:buSzPct val="45000"/>
-              <a:buFont typeface="StarSymbol"/>
-              <a:buChar char="l"/>
-            </a:pPr>
-            <a:r>
-              <a:rPr b="1" lang="en-IN" sz="2600">
-                <a:solidFill>
-                  <a:srgbClr val="006699"/>
-                </a:solidFill>
-                <a:latin typeface="Constantia"/>
-              </a:rPr>
-              <a:t>Unlimited Storage</a:t>
-            </a:r>
-            <a:endParaRPr/>
-          </a:p>
-          <a:p>
-            <a:pPr>
-              <a:lnSpc>
-                <a:spcPct val="100000"/>
-              </a:lnSpc>
-              <a:buSzPct val="45000"/>
-              <a:buFont typeface="StarSymbol"/>
-              <a:buChar char="l"/>
-            </a:pPr>
-            <a:r>
-              <a:rPr b="1" lang="en-IN" sz="2600">
-                <a:solidFill>
-                  <a:srgbClr val="006699"/>
-                </a:solidFill>
-                <a:latin typeface="Constantia"/>
-              </a:rPr>
-              <a:t>Backup &amp; recovery</a:t>
+                <a:latin typeface="Arial"/>
+              </a:rPr>
+              <a:t>SaaS (Software-as-a-Service)</a:t>
             </a:r>
             <a:endParaRPr/>
           </a:p>
@@ -6046,6 +6474,15 @@
                 <a:spcPct val="100000"/>
               </a:lnSpc>
             </a:pPr>
+            <a:r>
+              <a:rPr lang="en-IN" sz="2000">
+                <a:solidFill>
+                  <a:srgbClr val="336699"/>
+                </a:solidFill>
+                <a:latin typeface="Arial"/>
+              </a:rPr>
+              <a:t>or, Storage, Database, Information, Process, Application, Integration, Security, Management, Testing-as-a-service</a:t>
+            </a:r>
             <a:endParaRPr/>
           </a:p>
           <a:p>
@@ -6058,162 +6495,43 @@
           </a:p>
         </p:txBody>
       </p:sp>
-      <p:sp>
-        <p:nvSpPr>
-          <p:cNvPr id="132" name="CustomShape 3"/>
-          <p:cNvSpPr/>
-          <p:nvPr/>
-        </p:nvSpPr>
-        <p:spPr>
-          <a:xfrm>
-            <a:off x="4674240" y="1604520"/>
-            <a:ext cx="4014360" cy="3975840"/>
-          </a:xfrm>
-          <a:prstGeom prst="rect">
-            <a:avLst/>
-          </a:prstGeom>
-          <a:noFill/>
-          <a:ln>
-            <a:noFill/>
-          </a:ln>
-        </p:spPr>
-        <p:txBody>
-          <a:bodyPr lIns="0" rIns="0" tIns="0" bIns="0"/>
-          <a:p>
-            <a:r>
-              <a:rPr b="1" lang="en-IN" sz="2400">
-                <a:solidFill>
-                  <a:srgbClr val="336699"/>
-                </a:solidFill>
-                <a:latin typeface="Constantia"/>
-              </a:rPr>
-              <a:t>Disadvantages</a:t>
-            </a:r>
-            <a:endParaRPr/>
-          </a:p>
-          <a:p>
-            <a:pPr>
-              <a:lnSpc>
-                <a:spcPct val="100000"/>
-              </a:lnSpc>
-              <a:buSzPct val="45000"/>
-              <a:buFont typeface="StarSymbol"/>
-              <a:buChar char="l"/>
-            </a:pPr>
-            <a:r>
-              <a:rPr b="1" lang="en-IN" sz="2400">
-                <a:solidFill>
-                  <a:srgbClr val="336699"/>
-                </a:solidFill>
-                <a:latin typeface="Constantia"/>
-              </a:rPr>
-              <a:t>Downtime</a:t>
-            </a:r>
-            <a:endParaRPr/>
-          </a:p>
-          <a:p>
-            <a:pPr>
-              <a:lnSpc>
-                <a:spcPct val="100000"/>
-              </a:lnSpc>
-              <a:buSzPct val="45000"/>
-              <a:buFont typeface="StarSymbol"/>
-              <a:buChar char="l"/>
-            </a:pPr>
-            <a:r>
-              <a:rPr b="1" lang="en-IN" sz="2400">
-                <a:solidFill>
-                  <a:srgbClr val="336699"/>
-                </a:solidFill>
-                <a:latin typeface="Constantia"/>
-              </a:rPr>
-              <a:t>Security Issues</a:t>
-            </a:r>
-            <a:endParaRPr/>
-          </a:p>
-          <a:p>
-            <a:pPr>
-              <a:lnSpc>
-                <a:spcPct val="100000"/>
-              </a:lnSpc>
-              <a:buSzPct val="45000"/>
-              <a:buFont typeface="StarSymbol"/>
-              <a:buChar char="l"/>
-            </a:pPr>
-            <a:r>
-              <a:rPr b="1" lang="en-IN" sz="2400">
-                <a:solidFill>
-                  <a:srgbClr val="336699"/>
-                </a:solidFill>
-                <a:latin typeface="Constantia"/>
-              </a:rPr>
-              <a:t>Not easy to Swtich service providers</a:t>
-            </a:r>
-            <a:endParaRPr/>
-          </a:p>
-          <a:p>
-            <a:pPr>
-              <a:lnSpc>
-                <a:spcPct val="100000"/>
-              </a:lnSpc>
-              <a:buSzPct val="45000"/>
-              <a:buFont typeface="StarSymbol"/>
-              <a:buChar char="l"/>
-            </a:pPr>
-            <a:r>
-              <a:rPr b="1" lang="en-IN" sz="2400">
-                <a:solidFill>
-                  <a:srgbClr val="336699"/>
-                </a:solidFill>
-                <a:latin typeface="Constantia"/>
-              </a:rPr>
-              <a:t>Limited Control</a:t>
-            </a:r>
-            <a:endParaRPr/>
-          </a:p>
-        </p:txBody>
-      </p:sp>
     </p:spTree>
   </p:cSld>
   <p:timing>
     <p:tnLst>
       <p:par>
-        <p:cTn id="41" dur="indefinite" restart="never" nodeType="tmRoot">
+        <p:cTn id="34" dur="indefinite" restart="never" nodeType="tmRoot">
           <p:childTnLst>
             <p:seq>
-              <p:cTn id="42" nodeType="mainSeq">
+              <p:cTn id="35" nodeType="mainSeq">
                 <p:childTnLst>
                   <p:par>
-                    <p:cTn id="43" fill="freeze">
+                    <p:cTn id="36" fill="freeze">
                       <p:stCondLst>
                         <p:cond delay="indefinite"/>
                       </p:stCondLst>
                       <p:childTnLst>
                         <p:par>
-                          <p:cTn id="44" fill="freeze">
+                          <p:cTn id="37" fill="freeze">
                             <p:stCondLst>
                               <p:cond delay="0"/>
                             </p:stCondLst>
                             <p:childTnLst>
                               <p:par>
-                                <p:cTn id="45" nodeType="clickEffect" fill="hold" presetClass="entr" presetID="55">
+                                <p:cTn id="38" nodeType="clickEffect" fill="hold" presetClass="entr" presetID="6" presetSubtype="16">
                                   <p:stCondLst>
                                     <p:cond delay="0"/>
                                   </p:stCondLst>
                                   <p:childTnLst>
                                     <p:set>
                                       <p:cBhvr>
-                                        <p:cTn id="46" dur="1" fill="hold">
+                                        <p:cTn id="39" dur="1" fill="hold">
                                           <p:stCondLst>
                                             <p:cond delay="0"/>
                                           </p:stCondLst>
                                         </p:cTn>
                                         <p:tgtEl>
-                                          <p:spTgt spid="131">
-                                            <p:txEl>
-                                              <p:pRg st="0" end="11"/>
-                                            </p:txEl>
-                                          </p:spTgt>
+                                          <p:spTgt spid="130"/>
                                         </p:tgtEl>
                                         <p:attrNameLst>
                                           <p:attrName>style.visibility</p:attrName>
@@ -6223,1044 +6541,11 @@
                                         <p:strVal val="visible"/>
                                       </p:to>
                                     </p:set>
-                                    <p:anim calcmode="lin" valueType="str">
+                                    <p:animEffect filter="circle(in)" transition="out">
                                       <p:cBhvr additive="repl">
-                                        <p:cTn id="47" dur="1000" fill="hold"/>
+                                        <p:cTn id="40" dur="2000"/>
                                         <p:tgtEl>
-                                          <p:spTgt spid="131">
-                                            <p:txEl>
-                                              <p:pRg st="0" end="11"/>
-                                            </p:txEl>
-                                          </p:spTgt>
-                                        </p:tgtEl>
-                                      </p:cBhvr>
-                                      <p:tavLst>
-                                        <p:tav tm="0">
-                                          <p:val>
-                                            <p:strVal val="width*0.70"/>
-                                          </p:val>
-                                        </p:tav>
-                                        <p:tav tm="100000">
-                                          <p:val>
-                                            <p:strVal val="width"/>
-                                          </p:val>
-                                        </p:tav>
-                                      </p:tavLst>
-                                    </p:anim>
-                                    <p:anim calcmode="lin" valueType="str">
-                                      <p:cBhvr additive="repl">
-                                        <p:cTn id="48" dur="1000" fill="hold"/>
-                                        <p:tgtEl>
-                                          <p:spTgt spid="131">
-                                            <p:txEl>
-                                              <p:pRg st="0" end="11"/>
-                                            </p:txEl>
-                                          </p:spTgt>
-                                        </p:tgtEl>
-                                      </p:cBhvr>
-                                      <p:tavLst>
-                                        <p:tav tm="0">
-                                          <p:val>
-                                            <p:strVal val="height"/>
-                                          </p:val>
-                                        </p:tav>
-                                        <p:tav tm="100000">
-                                          <p:val>
-                                            <p:strVal val="height"/>
-                                          </p:val>
-                                        </p:tav>
-                                      </p:tavLst>
-                                    </p:anim>
-                                    <p:animEffect filter="fade" transition="in">
-                                      <p:cBhvr additive="repl">
-                                        <p:cTn id="49" dur="1000"/>
-                                        <p:tgtEl>
-                                          <p:spTgt spid="131">
-                                            <p:txEl>
-                                              <p:pRg st="0" end="11"/>
-                                            </p:txEl>
-                                          </p:spTgt>
-                                        </p:tgtEl>
-                                      </p:cBhvr>
-                                    </p:animEffect>
-                                  </p:childTnLst>
-                                </p:cTn>
-                              </p:par>
-                            </p:childTnLst>
-                          </p:cTn>
-                        </p:par>
-                      </p:childTnLst>
-                    </p:cTn>
-                  </p:par>
-                  <p:par>
-                    <p:cTn id="50" fill="freeze">
-                      <p:stCondLst>
-                        <p:cond delay="indefinite"/>
-                      </p:stCondLst>
-                      <p:childTnLst>
-                        <p:par>
-                          <p:cTn id="51" fill="freeze">
-                            <p:stCondLst>
-                              <p:cond delay="0"/>
-                            </p:stCondLst>
-                            <p:childTnLst>
-                              <p:par>
-                                <p:cTn id="52" nodeType="clickEffect" fill="hold" presetClass="entr" presetID="55">
-                                  <p:stCondLst>
-                                    <p:cond delay="0"/>
-                                  </p:stCondLst>
-                                  <p:childTnLst>
-                                    <p:set>
-                                      <p:cBhvr>
-                                        <p:cTn id="53" dur="1" fill="hold">
-                                          <p:stCondLst>
-                                            <p:cond delay="0"/>
-                                          </p:stCondLst>
-                                        </p:cTn>
-                                        <p:tgtEl>
-                                          <p:spTgt spid="131">
-                                            <p:txEl>
-                                              <p:pRg st="115" end="115"/>
-                                            </p:txEl>
-                                          </p:spTgt>
-                                        </p:tgtEl>
-                                        <p:attrNameLst>
-                                          <p:attrName>style.visibility</p:attrName>
-                                        </p:attrNameLst>
-                                      </p:cBhvr>
-                                      <p:to>
-                                        <p:strVal val="visible"/>
-                                      </p:to>
-                                    </p:set>
-                                    <p:anim calcmode="lin" valueType="str">
-                                      <p:cBhvr additive="repl">
-                                        <p:cTn id="54" dur="1000" fill="hold"/>
-                                        <p:tgtEl>
-                                          <p:spTgt spid="131">
-                                            <p:txEl>
-                                              <p:pRg st="115" end="115"/>
-                                            </p:txEl>
-                                          </p:spTgt>
-                                        </p:tgtEl>
-                                      </p:cBhvr>
-                                      <p:tavLst>
-                                        <p:tav tm="0">
-                                          <p:val>
-                                            <p:strVal val="width*0.70"/>
-                                          </p:val>
-                                        </p:tav>
-                                        <p:tav tm="100000">
-                                          <p:val>
-                                            <p:strVal val="width"/>
-                                          </p:val>
-                                        </p:tav>
-                                      </p:tavLst>
-                                    </p:anim>
-                                    <p:anim calcmode="lin" valueType="str">
-                                      <p:cBhvr additive="repl">
-                                        <p:cTn id="55" dur="1000" fill="hold"/>
-                                        <p:tgtEl>
-                                          <p:spTgt spid="131">
-                                            <p:txEl>
-                                              <p:pRg st="115" end="115"/>
-                                            </p:txEl>
-                                          </p:spTgt>
-                                        </p:tgtEl>
-                                      </p:cBhvr>
-                                      <p:tavLst>
-                                        <p:tav tm="0">
-                                          <p:val>
-                                            <p:strVal val="height"/>
-                                          </p:val>
-                                        </p:tav>
-                                        <p:tav tm="100000">
-                                          <p:val>
-                                            <p:strVal val="height"/>
-                                          </p:val>
-                                        </p:tav>
-                                      </p:tavLst>
-                                    </p:anim>
-                                    <p:animEffect filter="fade" transition="in">
-                                      <p:cBhvr additive="repl">
-                                        <p:cTn id="56" dur="1000"/>
-                                        <p:tgtEl>
-                                          <p:spTgt spid="131">
-                                            <p:txEl>
-                                              <p:pRg st="115" end="115"/>
-                                            </p:txEl>
-                                          </p:spTgt>
-                                        </p:tgtEl>
-                                      </p:cBhvr>
-                                    </p:animEffect>
-                                  </p:childTnLst>
-                                </p:cTn>
-                              </p:par>
-                            </p:childTnLst>
-                          </p:cTn>
-                        </p:par>
-                      </p:childTnLst>
-                    </p:cTn>
-                  </p:par>
-                  <p:par>
-                    <p:cTn id="57" fill="freeze">
-                      <p:stCondLst>
-                        <p:cond delay="indefinite"/>
-                      </p:stCondLst>
-                      <p:childTnLst>
-                        <p:par>
-                          <p:cTn id="58" fill="freeze">
-                            <p:stCondLst>
-                              <p:cond delay="0"/>
-                            </p:stCondLst>
-                            <p:childTnLst>
-                              <p:par>
-                                <p:cTn id="59" nodeType="clickEffect" fill="hold" presetClass="entr" presetID="55">
-                                  <p:stCondLst>
-                                    <p:cond delay="0"/>
-                                  </p:stCondLst>
-                                  <p:childTnLst>
-                                    <p:set>
-                                      <p:cBhvr>
-                                        <p:cTn id="60" dur="1" fill="hold">
-                                          <p:stCondLst>
-                                            <p:cond delay="0"/>
-                                          </p:stCondLst>
-                                        </p:cTn>
-                                        <p:tgtEl>
-                                          <p:spTgt spid="131">
-                                            <p:txEl>
-                                              <p:pRg st="115" end="115"/>
-                                            </p:txEl>
-                                          </p:spTgt>
-                                        </p:tgtEl>
-                                        <p:attrNameLst>
-                                          <p:attrName>style.visibility</p:attrName>
-                                        </p:attrNameLst>
-                                      </p:cBhvr>
-                                      <p:to>
-                                        <p:strVal val="visible"/>
-                                      </p:to>
-                                    </p:set>
-                                    <p:anim calcmode="lin" valueType="str">
-                                      <p:cBhvr additive="repl">
-                                        <p:cTn id="61" dur="1000" fill="hold"/>
-                                        <p:tgtEl>
-                                          <p:spTgt spid="131">
-                                            <p:txEl>
-                                              <p:pRg st="115" end="115"/>
-                                            </p:txEl>
-                                          </p:spTgt>
-                                        </p:tgtEl>
-                                      </p:cBhvr>
-                                      <p:tavLst>
-                                        <p:tav tm="0">
-                                          <p:val>
-                                            <p:strVal val="width*0.70"/>
-                                          </p:val>
-                                        </p:tav>
-                                        <p:tav tm="100000">
-                                          <p:val>
-                                            <p:strVal val="width"/>
-                                          </p:val>
-                                        </p:tav>
-                                      </p:tavLst>
-                                    </p:anim>
-                                    <p:anim calcmode="lin" valueType="str">
-                                      <p:cBhvr additive="repl">
-                                        <p:cTn id="62" dur="1000" fill="hold"/>
-                                        <p:tgtEl>
-                                          <p:spTgt spid="131">
-                                            <p:txEl>
-                                              <p:pRg st="115" end="115"/>
-                                            </p:txEl>
-                                          </p:spTgt>
-                                        </p:tgtEl>
-                                      </p:cBhvr>
-                                      <p:tavLst>
-                                        <p:tav tm="0">
-                                          <p:val>
-                                            <p:strVal val="height"/>
-                                          </p:val>
-                                        </p:tav>
-                                        <p:tav tm="100000">
-                                          <p:val>
-                                            <p:strVal val="height"/>
-                                          </p:val>
-                                        </p:tav>
-                                      </p:tavLst>
-                                    </p:anim>
-                                    <p:animEffect filter="fade" transition="in">
-                                      <p:cBhvr additive="repl">
-                                        <p:cTn id="63" dur="1000"/>
-                                        <p:tgtEl>
-                                          <p:spTgt spid="131">
-                                            <p:txEl>
-                                              <p:pRg st="115" end="115"/>
-                                            </p:txEl>
-                                          </p:spTgt>
-                                        </p:tgtEl>
-                                      </p:cBhvr>
-                                    </p:animEffect>
-                                  </p:childTnLst>
-                                </p:cTn>
-                              </p:par>
-                            </p:childTnLst>
-                          </p:cTn>
-                        </p:par>
-                      </p:childTnLst>
-                    </p:cTn>
-                  </p:par>
-                  <p:par>
-                    <p:cTn id="64" fill="freeze">
-                      <p:stCondLst>
-                        <p:cond delay="indefinite"/>
-                      </p:stCondLst>
-                      <p:childTnLst>
-                        <p:par>
-                          <p:cTn id="65" fill="freeze">
-                            <p:stCondLst>
-                              <p:cond delay="0"/>
-                            </p:stCondLst>
-                            <p:childTnLst>
-                              <p:par>
-                                <p:cTn id="66" nodeType="clickEffect" fill="hold" presetClass="entr" presetID="55">
-                                  <p:stCondLst>
-                                    <p:cond delay="0"/>
-                                  </p:stCondLst>
-                                  <p:childTnLst>
-                                    <p:set>
-                                      <p:cBhvr>
-                                        <p:cTn id="67" dur="1" fill="hold">
-                                          <p:stCondLst>
-                                            <p:cond delay="0"/>
-                                          </p:stCondLst>
-                                        </p:cTn>
-                                        <p:tgtEl>
-                                          <p:spTgt spid="131">
-                                            <p:txEl>
-                                              <p:pRg st="115" end="115"/>
-                                            </p:txEl>
-                                          </p:spTgt>
-                                        </p:tgtEl>
-                                        <p:attrNameLst>
-                                          <p:attrName>style.visibility</p:attrName>
-                                        </p:attrNameLst>
-                                      </p:cBhvr>
-                                      <p:to>
-                                        <p:strVal val="visible"/>
-                                      </p:to>
-                                    </p:set>
-                                    <p:anim calcmode="lin" valueType="str">
-                                      <p:cBhvr additive="repl">
-                                        <p:cTn id="68" dur="1000" fill="hold"/>
-                                        <p:tgtEl>
-                                          <p:spTgt spid="131">
-                                            <p:txEl>
-                                              <p:pRg st="115" end="115"/>
-                                            </p:txEl>
-                                          </p:spTgt>
-                                        </p:tgtEl>
-                                      </p:cBhvr>
-                                      <p:tavLst>
-                                        <p:tav tm="0">
-                                          <p:val>
-                                            <p:strVal val="width*0.70"/>
-                                          </p:val>
-                                        </p:tav>
-                                        <p:tav tm="100000">
-                                          <p:val>
-                                            <p:strVal val="width"/>
-                                          </p:val>
-                                        </p:tav>
-                                      </p:tavLst>
-                                    </p:anim>
-                                    <p:anim calcmode="lin" valueType="str">
-                                      <p:cBhvr additive="repl">
-                                        <p:cTn id="69" dur="1000" fill="hold"/>
-                                        <p:tgtEl>
-                                          <p:spTgt spid="131">
-                                            <p:txEl>
-                                              <p:pRg st="115" end="115"/>
-                                            </p:txEl>
-                                          </p:spTgt>
-                                        </p:tgtEl>
-                                      </p:cBhvr>
-                                      <p:tavLst>
-                                        <p:tav tm="0">
-                                          <p:val>
-                                            <p:strVal val="height"/>
-                                          </p:val>
-                                        </p:tav>
-                                        <p:tav tm="100000">
-                                          <p:val>
-                                            <p:strVal val="height"/>
-                                          </p:val>
-                                        </p:tav>
-                                      </p:tavLst>
-                                    </p:anim>
-                                    <p:animEffect filter="fade" transition="in">
-                                      <p:cBhvr additive="repl">
-                                        <p:cTn id="70" dur="1000"/>
-                                        <p:tgtEl>
-                                          <p:spTgt spid="131">
-                                            <p:txEl>
-                                              <p:pRg st="115" end="115"/>
-                                            </p:txEl>
-                                          </p:spTgt>
-                                        </p:tgtEl>
-                                      </p:cBhvr>
-                                    </p:animEffect>
-                                  </p:childTnLst>
-                                </p:cTn>
-                              </p:par>
-                            </p:childTnLst>
-                          </p:cTn>
-                        </p:par>
-                      </p:childTnLst>
-                    </p:cTn>
-                  </p:par>
-                  <p:par>
-                    <p:cTn id="71" fill="freeze">
-                      <p:stCondLst>
-                        <p:cond delay="indefinite"/>
-                      </p:stCondLst>
-                      <p:childTnLst>
-                        <p:par>
-                          <p:cTn id="72" fill="freeze">
-                            <p:stCondLst>
-                              <p:cond delay="0"/>
-                            </p:stCondLst>
-                            <p:childTnLst>
-                              <p:par>
-                                <p:cTn id="73" nodeType="clickEffect" fill="hold" presetClass="entr" presetID="55">
-                                  <p:stCondLst>
-                                    <p:cond delay="0"/>
-                                  </p:stCondLst>
-                                  <p:childTnLst>
-                                    <p:set>
-                                      <p:cBhvr>
-                                        <p:cTn id="74" dur="1" fill="hold">
-                                          <p:stCondLst>
-                                            <p:cond delay="0"/>
-                                          </p:stCondLst>
-                                        </p:cTn>
-                                        <p:tgtEl>
-                                          <p:spTgt spid="131">
-                                            <p:txEl>
-                                              <p:pRg st="115" end="115"/>
-                                            </p:txEl>
-                                          </p:spTgt>
-                                        </p:tgtEl>
-                                        <p:attrNameLst>
-                                          <p:attrName>style.visibility</p:attrName>
-                                        </p:attrNameLst>
-                                      </p:cBhvr>
-                                      <p:to>
-                                        <p:strVal val="visible"/>
-                                      </p:to>
-                                    </p:set>
-                                    <p:anim calcmode="lin" valueType="str">
-                                      <p:cBhvr additive="repl">
-                                        <p:cTn id="75" dur="1000" fill="hold"/>
-                                        <p:tgtEl>
-                                          <p:spTgt spid="131">
-                                            <p:txEl>
-                                              <p:pRg st="115" end="115"/>
-                                            </p:txEl>
-                                          </p:spTgt>
-                                        </p:tgtEl>
-                                      </p:cBhvr>
-                                      <p:tavLst>
-                                        <p:tav tm="0">
-                                          <p:val>
-                                            <p:strVal val="width*0.70"/>
-                                          </p:val>
-                                        </p:tav>
-                                        <p:tav tm="100000">
-                                          <p:val>
-                                            <p:strVal val="width"/>
-                                          </p:val>
-                                        </p:tav>
-                                      </p:tavLst>
-                                    </p:anim>
-                                    <p:anim calcmode="lin" valueType="str">
-                                      <p:cBhvr additive="repl">
-                                        <p:cTn id="76" dur="1000" fill="hold"/>
-                                        <p:tgtEl>
-                                          <p:spTgt spid="131">
-                                            <p:txEl>
-                                              <p:pRg st="115" end="115"/>
-                                            </p:txEl>
-                                          </p:spTgt>
-                                        </p:tgtEl>
-                                      </p:cBhvr>
-                                      <p:tavLst>
-                                        <p:tav tm="0">
-                                          <p:val>
-                                            <p:strVal val="height"/>
-                                          </p:val>
-                                        </p:tav>
-                                        <p:tav tm="100000">
-                                          <p:val>
-                                            <p:strVal val="height"/>
-                                          </p:val>
-                                        </p:tav>
-                                      </p:tavLst>
-                                    </p:anim>
-                                    <p:animEffect filter="fade" transition="in">
-                                      <p:cBhvr additive="repl">
-                                        <p:cTn id="77" dur="1000"/>
-                                        <p:tgtEl>
-                                          <p:spTgt spid="131">
-                                            <p:txEl>
-                                              <p:pRg st="115" end="115"/>
-                                            </p:txEl>
-                                          </p:spTgt>
-                                        </p:tgtEl>
-                                      </p:cBhvr>
-                                    </p:animEffect>
-                                  </p:childTnLst>
-                                </p:cTn>
-                              </p:par>
-                            </p:childTnLst>
-                          </p:cTn>
-                        </p:par>
-                      </p:childTnLst>
-                    </p:cTn>
-                  </p:par>
-                  <p:par>
-                    <p:cTn id="78" fill="freeze">
-                      <p:stCondLst>
-                        <p:cond delay="indefinite"/>
-                      </p:stCondLst>
-                      <p:childTnLst>
-                        <p:par>
-                          <p:cTn id="79" fill="freeze">
-                            <p:stCondLst>
-                              <p:cond delay="0"/>
-                            </p:stCondLst>
-                            <p:childTnLst>
-                              <p:par>
-                                <p:cTn id="80" nodeType="clickEffect" fill="hold" presetClass="entr" presetID="55">
-                                  <p:stCondLst>
-                                    <p:cond delay="0"/>
-                                  </p:stCondLst>
-                                  <p:childTnLst>
-                                    <p:set>
-                                      <p:cBhvr>
-                                        <p:cTn id="81" dur="1" fill="hold">
-                                          <p:stCondLst>
-                                            <p:cond delay="0"/>
-                                          </p:stCondLst>
-                                        </p:cTn>
-                                        <p:tgtEl>
-                                          <p:spTgt spid="132">
-                                            <p:txEl>
-                                              <p:pRg st="0" end="14"/>
-                                            </p:txEl>
-                                          </p:spTgt>
-                                        </p:tgtEl>
-                                        <p:attrNameLst>
-                                          <p:attrName>style.visibility</p:attrName>
-                                        </p:attrNameLst>
-                                      </p:cBhvr>
-                                      <p:to>
-                                        <p:strVal val="visible"/>
-                                      </p:to>
-                                    </p:set>
-                                    <p:anim calcmode="lin" valueType="str">
-                                      <p:cBhvr additive="repl">
-                                        <p:cTn id="82" dur="1000" fill="hold"/>
-                                        <p:tgtEl>
-                                          <p:spTgt spid="132">
-                                            <p:txEl>
-                                              <p:pRg st="0" end="14"/>
-                                            </p:txEl>
-                                          </p:spTgt>
-                                        </p:tgtEl>
-                                      </p:cBhvr>
-                                      <p:tavLst>
-                                        <p:tav tm="0">
-                                          <p:val>
-                                            <p:strVal val="width*0.70"/>
-                                          </p:val>
-                                        </p:tav>
-                                        <p:tav tm="100000">
-                                          <p:val>
-                                            <p:strVal val="width"/>
-                                          </p:val>
-                                        </p:tav>
-                                      </p:tavLst>
-                                    </p:anim>
-                                    <p:anim calcmode="lin" valueType="str">
-                                      <p:cBhvr additive="repl">
-                                        <p:cTn id="83" dur="1000" fill="hold"/>
-                                        <p:tgtEl>
-                                          <p:spTgt spid="132">
-                                            <p:txEl>
-                                              <p:pRg st="0" end="14"/>
-                                            </p:txEl>
-                                          </p:spTgt>
-                                        </p:tgtEl>
-                                      </p:cBhvr>
-                                      <p:tavLst>
-                                        <p:tav tm="0">
-                                          <p:val>
-                                            <p:strVal val="height"/>
-                                          </p:val>
-                                        </p:tav>
-                                        <p:tav tm="100000">
-                                          <p:val>
-                                            <p:strVal val="height"/>
-                                          </p:val>
-                                        </p:tav>
-                                      </p:tavLst>
-                                    </p:anim>
-                                    <p:animEffect filter="fade" transition="in">
-                                      <p:cBhvr additive="repl">
-                                        <p:cTn id="84" dur="1000"/>
-                                        <p:tgtEl>
-                                          <p:spTgt spid="132">
-                                            <p:txEl>
-                                              <p:pRg st="0" end="14"/>
-                                            </p:txEl>
-                                          </p:spTgt>
-                                        </p:tgtEl>
-                                      </p:cBhvr>
-                                    </p:animEffect>
-                                  </p:childTnLst>
-                                </p:cTn>
-                              </p:par>
-                            </p:childTnLst>
-                          </p:cTn>
-                        </p:par>
-                      </p:childTnLst>
-                    </p:cTn>
-                  </p:par>
-                  <p:par>
-                    <p:cTn id="85" fill="freeze">
-                      <p:stCondLst>
-                        <p:cond delay="indefinite"/>
-                      </p:stCondLst>
-                      <p:childTnLst>
-                        <p:par>
-                          <p:cTn id="86" fill="freeze">
-                            <p:stCondLst>
-                              <p:cond delay="0"/>
-                            </p:stCondLst>
-                            <p:childTnLst>
-                              <p:par>
-                                <p:cTn id="87" nodeType="clickEffect" fill="hold" presetClass="entr" presetID="55">
-                                  <p:stCondLst>
-                                    <p:cond delay="0"/>
-                                  </p:stCondLst>
-                                  <p:childTnLst>
-                                    <p:set>
-                                      <p:cBhvr>
-                                        <p:cTn id="88" dur="1" fill="hold">
-                                          <p:stCondLst>
-                                            <p:cond delay="0"/>
-                                          </p:stCondLst>
-                                        </p:cTn>
-                                        <p:tgtEl>
-                                          <p:spTgt spid="132">
-                                            <p:txEl>
-                                              <p:pRg st="92" end="92"/>
-                                            </p:txEl>
-                                          </p:spTgt>
-                                        </p:tgtEl>
-                                        <p:attrNameLst>
-                                          <p:attrName>style.visibility</p:attrName>
-                                        </p:attrNameLst>
-                                      </p:cBhvr>
-                                      <p:to>
-                                        <p:strVal val="visible"/>
-                                      </p:to>
-                                    </p:set>
-                                    <p:anim calcmode="lin" valueType="str">
-                                      <p:cBhvr additive="repl">
-                                        <p:cTn id="89" dur="1000" fill="hold"/>
-                                        <p:tgtEl>
-                                          <p:spTgt spid="132">
-                                            <p:txEl>
-                                              <p:pRg st="92" end="92"/>
-                                            </p:txEl>
-                                          </p:spTgt>
-                                        </p:tgtEl>
-                                      </p:cBhvr>
-                                      <p:tavLst>
-                                        <p:tav tm="0">
-                                          <p:val>
-                                            <p:strVal val="width*0.70"/>
-                                          </p:val>
-                                        </p:tav>
-                                        <p:tav tm="100000">
-                                          <p:val>
-                                            <p:strVal val="width"/>
-                                          </p:val>
-                                        </p:tav>
-                                      </p:tavLst>
-                                    </p:anim>
-                                    <p:anim calcmode="lin" valueType="str">
-                                      <p:cBhvr additive="repl">
-                                        <p:cTn id="90" dur="1000" fill="hold"/>
-                                        <p:tgtEl>
-                                          <p:spTgt spid="132">
-                                            <p:txEl>
-                                              <p:pRg st="92" end="92"/>
-                                            </p:txEl>
-                                          </p:spTgt>
-                                        </p:tgtEl>
-                                      </p:cBhvr>
-                                      <p:tavLst>
-                                        <p:tav tm="0">
-                                          <p:val>
-                                            <p:strVal val="height"/>
-                                          </p:val>
-                                        </p:tav>
-                                        <p:tav tm="100000">
-                                          <p:val>
-                                            <p:strVal val="height"/>
-                                          </p:val>
-                                        </p:tav>
-                                      </p:tavLst>
-                                    </p:anim>
-                                    <p:animEffect filter="fade" transition="in">
-                                      <p:cBhvr additive="repl">
-                                        <p:cTn id="91" dur="1000"/>
-                                        <p:tgtEl>
-                                          <p:spTgt spid="132">
-                                            <p:txEl>
-                                              <p:pRg st="92" end="92"/>
-                                            </p:txEl>
-                                          </p:spTgt>
-                                        </p:tgtEl>
-                                      </p:cBhvr>
-                                    </p:animEffect>
-                                  </p:childTnLst>
-                                </p:cTn>
-                              </p:par>
-                            </p:childTnLst>
-                          </p:cTn>
-                        </p:par>
-                      </p:childTnLst>
-                    </p:cTn>
-                  </p:par>
-                  <p:par>
-                    <p:cTn id="92" fill="freeze">
-                      <p:stCondLst>
-                        <p:cond delay="indefinite"/>
-                      </p:stCondLst>
-                      <p:childTnLst>
-                        <p:par>
-                          <p:cTn id="93" fill="freeze">
-                            <p:stCondLst>
-                              <p:cond delay="0"/>
-                            </p:stCondLst>
-                            <p:childTnLst>
-                              <p:par>
-                                <p:cTn id="94" nodeType="clickEffect" fill="hold" presetClass="entr" presetID="55">
-                                  <p:stCondLst>
-                                    <p:cond delay="0"/>
-                                  </p:stCondLst>
-                                  <p:childTnLst>
-                                    <p:set>
-                                      <p:cBhvr>
-                                        <p:cTn id="95" dur="1" fill="hold">
-                                          <p:stCondLst>
-                                            <p:cond delay="0"/>
-                                          </p:stCondLst>
-                                        </p:cTn>
-                                        <p:tgtEl>
-                                          <p:spTgt spid="132">
-                                            <p:txEl>
-                                              <p:pRg st="92" end="92"/>
-                                            </p:txEl>
-                                          </p:spTgt>
-                                        </p:tgtEl>
-                                        <p:attrNameLst>
-                                          <p:attrName>style.visibility</p:attrName>
-                                        </p:attrNameLst>
-                                      </p:cBhvr>
-                                      <p:to>
-                                        <p:strVal val="visible"/>
-                                      </p:to>
-                                    </p:set>
-                                    <p:anim calcmode="lin" valueType="str">
-                                      <p:cBhvr additive="repl">
-                                        <p:cTn id="96" dur="1000" fill="hold"/>
-                                        <p:tgtEl>
-                                          <p:spTgt spid="132">
-                                            <p:txEl>
-                                              <p:pRg st="92" end="92"/>
-                                            </p:txEl>
-                                          </p:spTgt>
-                                        </p:tgtEl>
-                                      </p:cBhvr>
-                                      <p:tavLst>
-                                        <p:tav tm="0">
-                                          <p:val>
-                                            <p:strVal val="width*0.70"/>
-                                          </p:val>
-                                        </p:tav>
-                                        <p:tav tm="100000">
-                                          <p:val>
-                                            <p:strVal val="width"/>
-                                          </p:val>
-                                        </p:tav>
-                                      </p:tavLst>
-                                    </p:anim>
-                                    <p:anim calcmode="lin" valueType="str">
-                                      <p:cBhvr additive="repl">
-                                        <p:cTn id="97" dur="1000" fill="hold"/>
-                                        <p:tgtEl>
-                                          <p:spTgt spid="132">
-                                            <p:txEl>
-                                              <p:pRg st="92" end="92"/>
-                                            </p:txEl>
-                                          </p:spTgt>
-                                        </p:tgtEl>
-                                      </p:cBhvr>
-                                      <p:tavLst>
-                                        <p:tav tm="0">
-                                          <p:val>
-                                            <p:strVal val="height"/>
-                                          </p:val>
-                                        </p:tav>
-                                        <p:tav tm="100000">
-                                          <p:val>
-                                            <p:strVal val="height"/>
-                                          </p:val>
-                                        </p:tav>
-                                      </p:tavLst>
-                                    </p:anim>
-                                    <p:animEffect filter="fade" transition="in">
-                                      <p:cBhvr additive="repl">
-                                        <p:cTn id="98" dur="1000"/>
-                                        <p:tgtEl>
-                                          <p:spTgt spid="132">
-                                            <p:txEl>
-                                              <p:pRg st="92" end="92"/>
-                                            </p:txEl>
-                                          </p:spTgt>
-                                        </p:tgtEl>
-                                      </p:cBhvr>
-                                    </p:animEffect>
-                                  </p:childTnLst>
-                                </p:cTn>
-                              </p:par>
-                            </p:childTnLst>
-                          </p:cTn>
-                        </p:par>
-                      </p:childTnLst>
-                    </p:cTn>
-                  </p:par>
-                  <p:par>
-                    <p:cTn id="99" fill="freeze">
-                      <p:stCondLst>
-                        <p:cond delay="indefinite"/>
-                      </p:stCondLst>
-                      <p:childTnLst>
-                        <p:par>
-                          <p:cTn id="100" fill="freeze">
-                            <p:stCondLst>
-                              <p:cond delay="0"/>
-                            </p:stCondLst>
-                            <p:childTnLst>
-                              <p:par>
-                                <p:cTn id="101" nodeType="clickEffect" fill="hold" presetClass="entr" presetID="55">
-                                  <p:stCondLst>
-                                    <p:cond delay="0"/>
-                                  </p:stCondLst>
-                                  <p:childTnLst>
-                                    <p:set>
-                                      <p:cBhvr>
-                                        <p:cTn id="102" dur="1" fill="hold">
-                                          <p:stCondLst>
-                                            <p:cond delay="0"/>
-                                          </p:stCondLst>
-                                        </p:cTn>
-                                        <p:tgtEl>
-                                          <p:spTgt spid="132">
-                                            <p:txEl>
-                                              <p:pRg st="92" end="92"/>
-                                            </p:txEl>
-                                          </p:spTgt>
-                                        </p:tgtEl>
-                                        <p:attrNameLst>
-                                          <p:attrName>style.visibility</p:attrName>
-                                        </p:attrNameLst>
-                                      </p:cBhvr>
-                                      <p:to>
-                                        <p:strVal val="visible"/>
-                                      </p:to>
-                                    </p:set>
-                                    <p:anim calcmode="lin" valueType="str">
-                                      <p:cBhvr additive="repl">
-                                        <p:cTn id="103" dur="1000" fill="hold"/>
-                                        <p:tgtEl>
-                                          <p:spTgt spid="132">
-                                            <p:txEl>
-                                              <p:pRg st="92" end="92"/>
-                                            </p:txEl>
-                                          </p:spTgt>
-                                        </p:tgtEl>
-                                      </p:cBhvr>
-                                      <p:tavLst>
-                                        <p:tav tm="0">
-                                          <p:val>
-                                            <p:strVal val="width*0.70"/>
-                                          </p:val>
-                                        </p:tav>
-                                        <p:tav tm="100000">
-                                          <p:val>
-                                            <p:strVal val="width"/>
-                                          </p:val>
-                                        </p:tav>
-                                      </p:tavLst>
-                                    </p:anim>
-                                    <p:anim calcmode="lin" valueType="str">
-                                      <p:cBhvr additive="repl">
-                                        <p:cTn id="104" dur="1000" fill="hold"/>
-                                        <p:tgtEl>
-                                          <p:spTgt spid="132">
-                                            <p:txEl>
-                                              <p:pRg st="92" end="92"/>
-                                            </p:txEl>
-                                          </p:spTgt>
-                                        </p:tgtEl>
-                                      </p:cBhvr>
-                                      <p:tavLst>
-                                        <p:tav tm="0">
-                                          <p:val>
-                                            <p:strVal val="height"/>
-                                          </p:val>
-                                        </p:tav>
-                                        <p:tav tm="100000">
-                                          <p:val>
-                                            <p:strVal val="height"/>
-                                          </p:val>
-                                        </p:tav>
-                                      </p:tavLst>
-                                    </p:anim>
-                                    <p:animEffect filter="fade" transition="in">
-                                      <p:cBhvr additive="repl">
-                                        <p:cTn id="105" dur="1000"/>
-                                        <p:tgtEl>
-                                          <p:spTgt spid="132">
-                                            <p:txEl>
-                                              <p:pRg st="92" end="92"/>
-                                            </p:txEl>
-                                          </p:spTgt>
-                                        </p:tgtEl>
-                                      </p:cBhvr>
-                                    </p:animEffect>
-                                  </p:childTnLst>
-                                </p:cTn>
-                              </p:par>
-                            </p:childTnLst>
-                          </p:cTn>
-                        </p:par>
-                      </p:childTnLst>
-                    </p:cTn>
-                  </p:par>
-                  <p:par>
-                    <p:cTn id="106" fill="freeze">
-                      <p:stCondLst>
-                        <p:cond delay="indefinite"/>
-                      </p:stCondLst>
-                      <p:childTnLst>
-                        <p:par>
-                          <p:cTn id="107" fill="freeze">
-                            <p:stCondLst>
-                              <p:cond delay="0"/>
-                            </p:stCondLst>
-                            <p:childTnLst>
-                              <p:par>
-                                <p:cTn id="108" nodeType="clickEffect" fill="hold" presetClass="entr" presetID="55">
-                                  <p:stCondLst>
-                                    <p:cond delay="0"/>
-                                  </p:stCondLst>
-                                  <p:childTnLst>
-                                    <p:set>
-                                      <p:cBhvr>
-                                        <p:cTn id="109" dur="1" fill="hold">
-                                          <p:stCondLst>
-                                            <p:cond delay="0"/>
-                                          </p:stCondLst>
-                                        </p:cTn>
-                                        <p:tgtEl>
-                                          <p:spTgt spid="132">
-                                            <p:txEl>
-                                              <p:pRg st="92" end="92"/>
-                                            </p:txEl>
-                                          </p:spTgt>
-                                        </p:tgtEl>
-                                        <p:attrNameLst>
-                                          <p:attrName>style.visibility</p:attrName>
-                                        </p:attrNameLst>
-                                      </p:cBhvr>
-                                      <p:to>
-                                        <p:strVal val="visible"/>
-                                      </p:to>
-                                    </p:set>
-                                    <p:anim calcmode="lin" valueType="str">
-                                      <p:cBhvr additive="repl">
-                                        <p:cTn id="110" dur="1000" fill="hold"/>
-                                        <p:tgtEl>
-                                          <p:spTgt spid="132">
-                                            <p:txEl>
-                                              <p:pRg st="92" end="92"/>
-                                            </p:txEl>
-                                          </p:spTgt>
-                                        </p:tgtEl>
-                                      </p:cBhvr>
-                                      <p:tavLst>
-                                        <p:tav tm="0">
-                                          <p:val>
-                                            <p:strVal val="width*0.70"/>
-                                          </p:val>
-                                        </p:tav>
-                                        <p:tav tm="100000">
-                                          <p:val>
-                                            <p:strVal val="width"/>
-                                          </p:val>
-                                        </p:tav>
-                                      </p:tavLst>
-                                    </p:anim>
-                                    <p:anim calcmode="lin" valueType="str">
-                                      <p:cBhvr additive="repl">
-                                        <p:cTn id="111" dur="1000" fill="hold"/>
-                                        <p:tgtEl>
-                                          <p:spTgt spid="132">
-                                            <p:txEl>
-                                              <p:pRg st="92" end="92"/>
-                                            </p:txEl>
-                                          </p:spTgt>
-                                        </p:tgtEl>
-                                      </p:cBhvr>
-                                      <p:tavLst>
-                                        <p:tav tm="0">
-                                          <p:val>
-                                            <p:strVal val="height"/>
-                                          </p:val>
-                                        </p:tav>
-                                        <p:tav tm="100000">
-                                          <p:val>
-                                            <p:strVal val="height"/>
-                                          </p:val>
-                                        </p:tav>
-                                      </p:tavLst>
-                                    </p:anim>
-                                    <p:animEffect filter="fade" transition="in">
-                                      <p:cBhvr additive="repl">
-                                        <p:cTn id="112" dur="1000"/>
-                                        <p:tgtEl>
-                                          <p:spTgt spid="132">
-                                            <p:txEl>
-                                              <p:pRg st="92" end="92"/>
-                                            </p:txEl>
-                                          </p:spTgt>
+                                          <p:spTgt spid="130"/>
                                         </p:tgtEl>
                                       </p:cBhvr>
                                     </p:animEffect>
@@ -7317,14 +6602,1482 @@
       </p:grpSpPr>
       <p:sp>
         <p:nvSpPr>
-          <p:cNvPr id="133" name="CustomShape 1"/>
+          <p:cNvPr id="132" name="CustomShape 1"/>
           <p:cNvSpPr/>
           <p:nvPr/>
         </p:nvSpPr>
         <p:spPr>
           <a:xfrm>
+            <a:off x="457200" y="704160"/>
+            <a:ext cx="8303400" cy="1140480"/>
+          </a:xfrm>
+          <a:prstGeom prst="rect">
+            <a:avLst/>
+          </a:prstGeom>
+          <a:noFill/>
+          <a:ln>
+            <a:noFill/>
+          </a:ln>
+        </p:spPr>
+        <p:txBody>
+          <a:bodyPr lIns="0" rIns="0" tIns="0" bIns="0" anchor="ctr"/>
+          <a:p>
+            <a:pPr algn="ctr">
+              <a:lnSpc>
+                <a:spcPct val="100000"/>
+              </a:lnSpc>
+            </a:pPr>
+            <a:r>
+              <a:rPr b="1" lang="en-IN" sz="2400">
+                <a:solidFill>
+                  <a:srgbClr val="336699"/>
+                </a:solidFill>
+                <a:latin typeface="Times New Roman"/>
+              </a:rPr>
+              <a:t>Advantages and Disadvantages of Cloud</a:t>
+            </a:r>
+            <a:endParaRPr/>
+          </a:p>
+        </p:txBody>
+      </p:sp>
+      <p:sp>
+        <p:nvSpPr>
+          <p:cNvPr id="133" name="CustomShape 2"/>
+          <p:cNvSpPr/>
+          <p:nvPr/>
+        </p:nvSpPr>
+        <p:spPr>
+          <a:xfrm>
+            <a:off x="304200" y="1566720"/>
+            <a:ext cx="4013640" cy="3975120"/>
+          </a:xfrm>
+          <a:prstGeom prst="rect">
+            <a:avLst/>
+          </a:prstGeom>
+          <a:noFill/>
+          <a:ln>
+            <a:noFill/>
+          </a:ln>
+        </p:spPr>
+        <p:txBody>
+          <a:bodyPr lIns="0" rIns="0" tIns="0" bIns="0"/>
+          <a:p>
+            <a:r>
+              <a:rPr b="1" lang="en-IN" sz="2400">
+                <a:solidFill>
+                  <a:srgbClr val="336699"/>
+                </a:solidFill>
+                <a:latin typeface="Constantia"/>
+              </a:rPr>
+              <a:t>Advantages</a:t>
+            </a:r>
+            <a:endParaRPr/>
+          </a:p>
+          <a:p>
+            <a:pPr>
+              <a:lnSpc>
+                <a:spcPct val="100000"/>
+              </a:lnSpc>
+              <a:buSzPct val="45000"/>
+              <a:buFont typeface="StarSymbol"/>
+              <a:buChar char="l"/>
+            </a:pPr>
+            <a:r>
+              <a:rPr b="1" lang="en-IN" sz="2400">
+                <a:solidFill>
+                  <a:srgbClr val="006699"/>
+                </a:solidFill>
+                <a:latin typeface="Constantia"/>
+              </a:rPr>
+              <a:t>Cost Saving</a:t>
+            </a:r>
+            <a:endParaRPr/>
+          </a:p>
+          <a:p>
+            <a:pPr>
+              <a:lnSpc>
+                <a:spcPct val="100000"/>
+              </a:lnSpc>
+              <a:buSzPct val="45000"/>
+              <a:buFont typeface="StarSymbol"/>
+              <a:buChar char="l"/>
+            </a:pPr>
+            <a:r>
+              <a:rPr b="1" lang="en-IN" sz="2600">
+                <a:solidFill>
+                  <a:srgbClr val="006699"/>
+                </a:solidFill>
+                <a:latin typeface="Constantia"/>
+              </a:rPr>
+              <a:t>Reliability</a:t>
+            </a:r>
+            <a:endParaRPr/>
+          </a:p>
+          <a:p>
+            <a:pPr>
+              <a:lnSpc>
+                <a:spcPct val="100000"/>
+              </a:lnSpc>
+              <a:buSzPct val="45000"/>
+              <a:buFont typeface="StarSymbol"/>
+              <a:buChar char="l"/>
+            </a:pPr>
+            <a:r>
+              <a:rPr b="1" lang="en-IN" sz="2600">
+                <a:solidFill>
+                  <a:srgbClr val="006699"/>
+                </a:solidFill>
+                <a:latin typeface="Constantia"/>
+              </a:rPr>
+              <a:t>Easy Access to information</a:t>
+            </a:r>
+            <a:endParaRPr/>
+          </a:p>
+          <a:p>
+            <a:pPr>
+              <a:lnSpc>
+                <a:spcPct val="100000"/>
+              </a:lnSpc>
+              <a:buSzPct val="45000"/>
+              <a:buFont typeface="StarSymbol"/>
+              <a:buChar char="l"/>
+            </a:pPr>
+            <a:r>
+              <a:rPr b="1" lang="en-IN" sz="2600">
+                <a:solidFill>
+                  <a:srgbClr val="006699"/>
+                </a:solidFill>
+                <a:latin typeface="Constantia"/>
+              </a:rPr>
+              <a:t>Strategic Edge</a:t>
+            </a:r>
+            <a:endParaRPr/>
+          </a:p>
+          <a:p>
+            <a:pPr>
+              <a:lnSpc>
+                <a:spcPct val="100000"/>
+              </a:lnSpc>
+              <a:buSzPct val="45000"/>
+              <a:buFont typeface="StarSymbol"/>
+              <a:buChar char="l"/>
+            </a:pPr>
+            <a:r>
+              <a:rPr b="1" lang="en-IN" sz="2600">
+                <a:solidFill>
+                  <a:srgbClr val="006699"/>
+                </a:solidFill>
+                <a:latin typeface="Constantia"/>
+              </a:rPr>
+              <a:t>Unlimited Storage</a:t>
+            </a:r>
+            <a:endParaRPr/>
+          </a:p>
+          <a:p>
+            <a:pPr>
+              <a:lnSpc>
+                <a:spcPct val="100000"/>
+              </a:lnSpc>
+              <a:buSzPct val="45000"/>
+              <a:buFont typeface="StarSymbol"/>
+              <a:buChar char="l"/>
+            </a:pPr>
+            <a:r>
+              <a:rPr b="1" lang="en-IN" sz="2600">
+                <a:solidFill>
+                  <a:srgbClr val="006699"/>
+                </a:solidFill>
+                <a:latin typeface="Constantia"/>
+              </a:rPr>
+              <a:t>Backup &amp; recovery</a:t>
+            </a:r>
+            <a:endParaRPr/>
+          </a:p>
+          <a:p>
+            <a:pPr>
+              <a:lnSpc>
+                <a:spcPct val="100000"/>
+              </a:lnSpc>
+            </a:pPr>
+            <a:endParaRPr/>
+          </a:p>
+          <a:p>
+            <a:pPr>
+              <a:lnSpc>
+                <a:spcPct val="100000"/>
+              </a:lnSpc>
+            </a:pPr>
+            <a:endParaRPr/>
+          </a:p>
+        </p:txBody>
+      </p:sp>
+      <p:sp>
+        <p:nvSpPr>
+          <p:cNvPr id="134" name="CustomShape 3"/>
+          <p:cNvSpPr/>
+          <p:nvPr/>
+        </p:nvSpPr>
+        <p:spPr>
+          <a:xfrm>
+            <a:off x="4674240" y="1604520"/>
+            <a:ext cx="4013640" cy="3975120"/>
+          </a:xfrm>
+          <a:prstGeom prst="rect">
+            <a:avLst/>
+          </a:prstGeom>
+          <a:noFill/>
+          <a:ln>
+            <a:noFill/>
+          </a:ln>
+        </p:spPr>
+        <p:txBody>
+          <a:bodyPr lIns="0" rIns="0" tIns="0" bIns="0"/>
+          <a:p>
+            <a:r>
+              <a:rPr b="1" lang="en-IN" sz="2400">
+                <a:solidFill>
+                  <a:srgbClr val="336699"/>
+                </a:solidFill>
+                <a:latin typeface="Constantia"/>
+              </a:rPr>
+              <a:t>Disadvantages</a:t>
+            </a:r>
+            <a:endParaRPr/>
+          </a:p>
+          <a:p>
+            <a:pPr>
+              <a:lnSpc>
+                <a:spcPct val="100000"/>
+              </a:lnSpc>
+              <a:buSzPct val="45000"/>
+              <a:buFont typeface="StarSymbol"/>
+              <a:buChar char="l"/>
+            </a:pPr>
+            <a:r>
+              <a:rPr b="1" lang="en-IN" sz="2400">
+                <a:solidFill>
+                  <a:srgbClr val="336699"/>
+                </a:solidFill>
+                <a:latin typeface="Constantia"/>
+              </a:rPr>
+              <a:t>Downtime</a:t>
+            </a:r>
+            <a:endParaRPr/>
+          </a:p>
+          <a:p>
+            <a:pPr>
+              <a:lnSpc>
+                <a:spcPct val="100000"/>
+              </a:lnSpc>
+              <a:buSzPct val="45000"/>
+              <a:buFont typeface="StarSymbol"/>
+              <a:buChar char="l"/>
+            </a:pPr>
+            <a:r>
+              <a:rPr b="1" lang="en-IN" sz="2400">
+                <a:solidFill>
+                  <a:srgbClr val="336699"/>
+                </a:solidFill>
+                <a:latin typeface="Constantia"/>
+              </a:rPr>
+              <a:t>Security Issues</a:t>
+            </a:r>
+            <a:endParaRPr/>
+          </a:p>
+          <a:p>
+            <a:pPr>
+              <a:lnSpc>
+                <a:spcPct val="100000"/>
+              </a:lnSpc>
+              <a:buSzPct val="45000"/>
+              <a:buFont typeface="StarSymbol"/>
+              <a:buChar char="l"/>
+            </a:pPr>
+            <a:r>
+              <a:rPr b="1" lang="en-IN" sz="2400">
+                <a:solidFill>
+                  <a:srgbClr val="336699"/>
+                </a:solidFill>
+                <a:latin typeface="Constantia"/>
+              </a:rPr>
+              <a:t>Not easy to Swtich service providers</a:t>
+            </a:r>
+            <a:endParaRPr/>
+          </a:p>
+          <a:p>
+            <a:pPr>
+              <a:lnSpc>
+                <a:spcPct val="100000"/>
+              </a:lnSpc>
+              <a:buSzPct val="45000"/>
+              <a:buFont typeface="StarSymbol"/>
+              <a:buChar char="l"/>
+            </a:pPr>
+            <a:r>
+              <a:rPr b="1" lang="en-IN" sz="2400">
+                <a:solidFill>
+                  <a:srgbClr val="336699"/>
+                </a:solidFill>
+                <a:latin typeface="Constantia"/>
+              </a:rPr>
+              <a:t>Limited Control</a:t>
+            </a:r>
+            <a:endParaRPr/>
+          </a:p>
+        </p:txBody>
+      </p:sp>
+    </p:spTree>
+  </p:cSld>
+  <p:timing>
+    <p:tnLst>
+      <p:par>
+        <p:cTn id="41" dur="indefinite" restart="never" nodeType="tmRoot">
+          <p:childTnLst>
+            <p:seq>
+              <p:cTn id="42" nodeType="mainSeq">
+                <p:childTnLst>
+                  <p:par>
+                    <p:cTn id="43" fill="freeze">
+                      <p:stCondLst>
+                        <p:cond delay="indefinite"/>
+                      </p:stCondLst>
+                      <p:childTnLst>
+                        <p:par>
+                          <p:cTn id="44" fill="freeze">
+                            <p:stCondLst>
+                              <p:cond delay="0"/>
+                            </p:stCondLst>
+                            <p:childTnLst>
+                              <p:par>
+                                <p:cTn id="45" nodeType="clickEffect" fill="hold" presetClass="entr" presetID="55">
+                                  <p:stCondLst>
+                                    <p:cond delay="0"/>
+                                  </p:stCondLst>
+                                  <p:childTnLst>
+                                    <p:set>
+                                      <p:cBhvr>
+                                        <p:cTn id="46" dur="1" fill="hold">
+                                          <p:stCondLst>
+                                            <p:cond delay="0"/>
+                                          </p:stCondLst>
+                                        </p:cTn>
+                                        <p:tgtEl>
+                                          <p:spTgt spid="133">
+                                            <p:txEl>
+                                              <p:pRg st="0" end="11"/>
+                                            </p:txEl>
+                                          </p:spTgt>
+                                        </p:tgtEl>
+                                        <p:attrNameLst>
+                                          <p:attrName>style.visibility</p:attrName>
+                                        </p:attrNameLst>
+                                      </p:cBhvr>
+                                      <p:to>
+                                        <p:strVal val="visible"/>
+                                      </p:to>
+                                    </p:set>
+                                    <p:anim calcmode="lin" valueType="str">
+                                      <p:cBhvr additive="repl">
+                                        <p:cTn id="47" dur="1000" fill="hold"/>
+                                        <p:tgtEl>
+                                          <p:spTgt spid="133">
+                                            <p:txEl>
+                                              <p:pRg st="0" end="11"/>
+                                            </p:txEl>
+                                          </p:spTgt>
+                                        </p:tgtEl>
+                                      </p:cBhvr>
+                                      <p:tavLst>
+                                        <p:tav tm="0">
+                                          <p:val>
+                                            <p:strVal val="width*0.70"/>
+                                          </p:val>
+                                        </p:tav>
+                                        <p:tav tm="100000">
+                                          <p:val>
+                                            <p:strVal val="width"/>
+                                          </p:val>
+                                        </p:tav>
+                                      </p:tavLst>
+                                    </p:anim>
+                                    <p:anim calcmode="lin" valueType="str">
+                                      <p:cBhvr additive="repl">
+                                        <p:cTn id="48" dur="1000" fill="hold"/>
+                                        <p:tgtEl>
+                                          <p:spTgt spid="133">
+                                            <p:txEl>
+                                              <p:pRg st="0" end="11"/>
+                                            </p:txEl>
+                                          </p:spTgt>
+                                        </p:tgtEl>
+                                      </p:cBhvr>
+                                      <p:tavLst>
+                                        <p:tav tm="0">
+                                          <p:val>
+                                            <p:strVal val="height"/>
+                                          </p:val>
+                                        </p:tav>
+                                        <p:tav tm="100000">
+                                          <p:val>
+                                            <p:strVal val="height"/>
+                                          </p:val>
+                                        </p:tav>
+                                      </p:tavLst>
+                                    </p:anim>
+                                    <p:animEffect filter="fade" transition="in">
+                                      <p:cBhvr additive="repl">
+                                        <p:cTn id="49" dur="1000"/>
+                                        <p:tgtEl>
+                                          <p:spTgt spid="133">
+                                            <p:txEl>
+                                              <p:pRg st="0" end="11"/>
+                                            </p:txEl>
+                                          </p:spTgt>
+                                        </p:tgtEl>
+                                      </p:cBhvr>
+                                    </p:animEffect>
+                                  </p:childTnLst>
+                                </p:cTn>
+                              </p:par>
+                            </p:childTnLst>
+                          </p:cTn>
+                        </p:par>
+                      </p:childTnLst>
+                    </p:cTn>
+                  </p:par>
+                  <p:par>
+                    <p:cTn id="50" fill="freeze">
+                      <p:stCondLst>
+                        <p:cond delay="indefinite"/>
+                      </p:stCondLst>
+                      <p:childTnLst>
+                        <p:par>
+                          <p:cTn id="51" fill="freeze">
+                            <p:stCondLst>
+                              <p:cond delay="0"/>
+                            </p:stCondLst>
+                            <p:childTnLst>
+                              <p:par>
+                                <p:cTn id="52" nodeType="clickEffect" fill="hold" presetClass="entr" presetID="55">
+                                  <p:stCondLst>
+                                    <p:cond delay="0"/>
+                                  </p:stCondLst>
+                                  <p:childTnLst>
+                                    <p:set>
+                                      <p:cBhvr>
+                                        <p:cTn id="53" dur="1" fill="hold">
+                                          <p:stCondLst>
+                                            <p:cond delay="0"/>
+                                          </p:stCondLst>
+                                        </p:cTn>
+                                        <p:tgtEl>
+                                          <p:spTgt spid="133">
+                                            <p:txEl>
+                                              <p:pRg st="115" end="115"/>
+                                            </p:txEl>
+                                          </p:spTgt>
+                                        </p:tgtEl>
+                                        <p:attrNameLst>
+                                          <p:attrName>style.visibility</p:attrName>
+                                        </p:attrNameLst>
+                                      </p:cBhvr>
+                                      <p:to>
+                                        <p:strVal val="visible"/>
+                                      </p:to>
+                                    </p:set>
+                                    <p:anim calcmode="lin" valueType="str">
+                                      <p:cBhvr additive="repl">
+                                        <p:cTn id="54" dur="1000" fill="hold"/>
+                                        <p:tgtEl>
+                                          <p:spTgt spid="133">
+                                            <p:txEl>
+                                              <p:pRg st="115" end="115"/>
+                                            </p:txEl>
+                                          </p:spTgt>
+                                        </p:tgtEl>
+                                      </p:cBhvr>
+                                      <p:tavLst>
+                                        <p:tav tm="0">
+                                          <p:val>
+                                            <p:strVal val="width*0.70"/>
+                                          </p:val>
+                                        </p:tav>
+                                        <p:tav tm="100000">
+                                          <p:val>
+                                            <p:strVal val="width"/>
+                                          </p:val>
+                                        </p:tav>
+                                      </p:tavLst>
+                                    </p:anim>
+                                    <p:anim calcmode="lin" valueType="str">
+                                      <p:cBhvr additive="repl">
+                                        <p:cTn id="55" dur="1000" fill="hold"/>
+                                        <p:tgtEl>
+                                          <p:spTgt spid="133">
+                                            <p:txEl>
+                                              <p:pRg st="115" end="115"/>
+                                            </p:txEl>
+                                          </p:spTgt>
+                                        </p:tgtEl>
+                                      </p:cBhvr>
+                                      <p:tavLst>
+                                        <p:tav tm="0">
+                                          <p:val>
+                                            <p:strVal val="height"/>
+                                          </p:val>
+                                        </p:tav>
+                                        <p:tav tm="100000">
+                                          <p:val>
+                                            <p:strVal val="height"/>
+                                          </p:val>
+                                        </p:tav>
+                                      </p:tavLst>
+                                    </p:anim>
+                                    <p:animEffect filter="fade" transition="in">
+                                      <p:cBhvr additive="repl">
+                                        <p:cTn id="56" dur="1000"/>
+                                        <p:tgtEl>
+                                          <p:spTgt spid="133">
+                                            <p:txEl>
+                                              <p:pRg st="115" end="115"/>
+                                            </p:txEl>
+                                          </p:spTgt>
+                                        </p:tgtEl>
+                                      </p:cBhvr>
+                                    </p:animEffect>
+                                  </p:childTnLst>
+                                </p:cTn>
+                              </p:par>
+                            </p:childTnLst>
+                          </p:cTn>
+                        </p:par>
+                      </p:childTnLst>
+                    </p:cTn>
+                  </p:par>
+                  <p:par>
+                    <p:cTn id="57" fill="freeze">
+                      <p:stCondLst>
+                        <p:cond delay="indefinite"/>
+                      </p:stCondLst>
+                      <p:childTnLst>
+                        <p:par>
+                          <p:cTn id="58" fill="freeze">
+                            <p:stCondLst>
+                              <p:cond delay="0"/>
+                            </p:stCondLst>
+                            <p:childTnLst>
+                              <p:par>
+                                <p:cTn id="59" nodeType="clickEffect" fill="hold" presetClass="entr" presetID="55">
+                                  <p:stCondLst>
+                                    <p:cond delay="0"/>
+                                  </p:stCondLst>
+                                  <p:childTnLst>
+                                    <p:set>
+                                      <p:cBhvr>
+                                        <p:cTn id="60" dur="1" fill="hold">
+                                          <p:stCondLst>
+                                            <p:cond delay="0"/>
+                                          </p:stCondLst>
+                                        </p:cTn>
+                                        <p:tgtEl>
+                                          <p:spTgt spid="133">
+                                            <p:txEl>
+                                              <p:pRg st="115" end="115"/>
+                                            </p:txEl>
+                                          </p:spTgt>
+                                        </p:tgtEl>
+                                        <p:attrNameLst>
+                                          <p:attrName>style.visibility</p:attrName>
+                                        </p:attrNameLst>
+                                      </p:cBhvr>
+                                      <p:to>
+                                        <p:strVal val="visible"/>
+                                      </p:to>
+                                    </p:set>
+                                    <p:anim calcmode="lin" valueType="str">
+                                      <p:cBhvr additive="repl">
+                                        <p:cTn id="61" dur="1000" fill="hold"/>
+                                        <p:tgtEl>
+                                          <p:spTgt spid="133">
+                                            <p:txEl>
+                                              <p:pRg st="115" end="115"/>
+                                            </p:txEl>
+                                          </p:spTgt>
+                                        </p:tgtEl>
+                                      </p:cBhvr>
+                                      <p:tavLst>
+                                        <p:tav tm="0">
+                                          <p:val>
+                                            <p:strVal val="width*0.70"/>
+                                          </p:val>
+                                        </p:tav>
+                                        <p:tav tm="100000">
+                                          <p:val>
+                                            <p:strVal val="width"/>
+                                          </p:val>
+                                        </p:tav>
+                                      </p:tavLst>
+                                    </p:anim>
+                                    <p:anim calcmode="lin" valueType="str">
+                                      <p:cBhvr additive="repl">
+                                        <p:cTn id="62" dur="1000" fill="hold"/>
+                                        <p:tgtEl>
+                                          <p:spTgt spid="133">
+                                            <p:txEl>
+                                              <p:pRg st="115" end="115"/>
+                                            </p:txEl>
+                                          </p:spTgt>
+                                        </p:tgtEl>
+                                      </p:cBhvr>
+                                      <p:tavLst>
+                                        <p:tav tm="0">
+                                          <p:val>
+                                            <p:strVal val="height"/>
+                                          </p:val>
+                                        </p:tav>
+                                        <p:tav tm="100000">
+                                          <p:val>
+                                            <p:strVal val="height"/>
+                                          </p:val>
+                                        </p:tav>
+                                      </p:tavLst>
+                                    </p:anim>
+                                    <p:animEffect filter="fade" transition="in">
+                                      <p:cBhvr additive="repl">
+                                        <p:cTn id="63" dur="1000"/>
+                                        <p:tgtEl>
+                                          <p:spTgt spid="133">
+                                            <p:txEl>
+                                              <p:pRg st="115" end="115"/>
+                                            </p:txEl>
+                                          </p:spTgt>
+                                        </p:tgtEl>
+                                      </p:cBhvr>
+                                    </p:animEffect>
+                                  </p:childTnLst>
+                                </p:cTn>
+                              </p:par>
+                            </p:childTnLst>
+                          </p:cTn>
+                        </p:par>
+                      </p:childTnLst>
+                    </p:cTn>
+                  </p:par>
+                  <p:par>
+                    <p:cTn id="64" fill="freeze">
+                      <p:stCondLst>
+                        <p:cond delay="indefinite"/>
+                      </p:stCondLst>
+                      <p:childTnLst>
+                        <p:par>
+                          <p:cTn id="65" fill="freeze">
+                            <p:stCondLst>
+                              <p:cond delay="0"/>
+                            </p:stCondLst>
+                            <p:childTnLst>
+                              <p:par>
+                                <p:cTn id="66" nodeType="clickEffect" fill="hold" presetClass="entr" presetID="55">
+                                  <p:stCondLst>
+                                    <p:cond delay="0"/>
+                                  </p:stCondLst>
+                                  <p:childTnLst>
+                                    <p:set>
+                                      <p:cBhvr>
+                                        <p:cTn id="67" dur="1" fill="hold">
+                                          <p:stCondLst>
+                                            <p:cond delay="0"/>
+                                          </p:stCondLst>
+                                        </p:cTn>
+                                        <p:tgtEl>
+                                          <p:spTgt spid="133">
+                                            <p:txEl>
+                                              <p:pRg st="115" end="115"/>
+                                            </p:txEl>
+                                          </p:spTgt>
+                                        </p:tgtEl>
+                                        <p:attrNameLst>
+                                          <p:attrName>style.visibility</p:attrName>
+                                        </p:attrNameLst>
+                                      </p:cBhvr>
+                                      <p:to>
+                                        <p:strVal val="visible"/>
+                                      </p:to>
+                                    </p:set>
+                                    <p:anim calcmode="lin" valueType="str">
+                                      <p:cBhvr additive="repl">
+                                        <p:cTn id="68" dur="1000" fill="hold"/>
+                                        <p:tgtEl>
+                                          <p:spTgt spid="133">
+                                            <p:txEl>
+                                              <p:pRg st="115" end="115"/>
+                                            </p:txEl>
+                                          </p:spTgt>
+                                        </p:tgtEl>
+                                      </p:cBhvr>
+                                      <p:tavLst>
+                                        <p:tav tm="0">
+                                          <p:val>
+                                            <p:strVal val="width*0.70"/>
+                                          </p:val>
+                                        </p:tav>
+                                        <p:tav tm="100000">
+                                          <p:val>
+                                            <p:strVal val="width"/>
+                                          </p:val>
+                                        </p:tav>
+                                      </p:tavLst>
+                                    </p:anim>
+                                    <p:anim calcmode="lin" valueType="str">
+                                      <p:cBhvr additive="repl">
+                                        <p:cTn id="69" dur="1000" fill="hold"/>
+                                        <p:tgtEl>
+                                          <p:spTgt spid="133">
+                                            <p:txEl>
+                                              <p:pRg st="115" end="115"/>
+                                            </p:txEl>
+                                          </p:spTgt>
+                                        </p:tgtEl>
+                                      </p:cBhvr>
+                                      <p:tavLst>
+                                        <p:tav tm="0">
+                                          <p:val>
+                                            <p:strVal val="height"/>
+                                          </p:val>
+                                        </p:tav>
+                                        <p:tav tm="100000">
+                                          <p:val>
+                                            <p:strVal val="height"/>
+                                          </p:val>
+                                        </p:tav>
+                                      </p:tavLst>
+                                    </p:anim>
+                                    <p:animEffect filter="fade" transition="in">
+                                      <p:cBhvr additive="repl">
+                                        <p:cTn id="70" dur="1000"/>
+                                        <p:tgtEl>
+                                          <p:spTgt spid="133">
+                                            <p:txEl>
+                                              <p:pRg st="115" end="115"/>
+                                            </p:txEl>
+                                          </p:spTgt>
+                                        </p:tgtEl>
+                                      </p:cBhvr>
+                                    </p:animEffect>
+                                  </p:childTnLst>
+                                </p:cTn>
+                              </p:par>
+                            </p:childTnLst>
+                          </p:cTn>
+                        </p:par>
+                      </p:childTnLst>
+                    </p:cTn>
+                  </p:par>
+                  <p:par>
+                    <p:cTn id="71" fill="freeze">
+                      <p:stCondLst>
+                        <p:cond delay="indefinite"/>
+                      </p:stCondLst>
+                      <p:childTnLst>
+                        <p:par>
+                          <p:cTn id="72" fill="freeze">
+                            <p:stCondLst>
+                              <p:cond delay="0"/>
+                            </p:stCondLst>
+                            <p:childTnLst>
+                              <p:par>
+                                <p:cTn id="73" nodeType="clickEffect" fill="hold" presetClass="entr" presetID="55">
+                                  <p:stCondLst>
+                                    <p:cond delay="0"/>
+                                  </p:stCondLst>
+                                  <p:childTnLst>
+                                    <p:set>
+                                      <p:cBhvr>
+                                        <p:cTn id="74" dur="1" fill="hold">
+                                          <p:stCondLst>
+                                            <p:cond delay="0"/>
+                                          </p:stCondLst>
+                                        </p:cTn>
+                                        <p:tgtEl>
+                                          <p:spTgt spid="133">
+                                            <p:txEl>
+                                              <p:pRg st="115" end="115"/>
+                                            </p:txEl>
+                                          </p:spTgt>
+                                        </p:tgtEl>
+                                        <p:attrNameLst>
+                                          <p:attrName>style.visibility</p:attrName>
+                                        </p:attrNameLst>
+                                      </p:cBhvr>
+                                      <p:to>
+                                        <p:strVal val="visible"/>
+                                      </p:to>
+                                    </p:set>
+                                    <p:anim calcmode="lin" valueType="str">
+                                      <p:cBhvr additive="repl">
+                                        <p:cTn id="75" dur="1000" fill="hold"/>
+                                        <p:tgtEl>
+                                          <p:spTgt spid="133">
+                                            <p:txEl>
+                                              <p:pRg st="115" end="115"/>
+                                            </p:txEl>
+                                          </p:spTgt>
+                                        </p:tgtEl>
+                                      </p:cBhvr>
+                                      <p:tavLst>
+                                        <p:tav tm="0">
+                                          <p:val>
+                                            <p:strVal val="width*0.70"/>
+                                          </p:val>
+                                        </p:tav>
+                                        <p:tav tm="100000">
+                                          <p:val>
+                                            <p:strVal val="width"/>
+                                          </p:val>
+                                        </p:tav>
+                                      </p:tavLst>
+                                    </p:anim>
+                                    <p:anim calcmode="lin" valueType="str">
+                                      <p:cBhvr additive="repl">
+                                        <p:cTn id="76" dur="1000" fill="hold"/>
+                                        <p:tgtEl>
+                                          <p:spTgt spid="133">
+                                            <p:txEl>
+                                              <p:pRg st="115" end="115"/>
+                                            </p:txEl>
+                                          </p:spTgt>
+                                        </p:tgtEl>
+                                      </p:cBhvr>
+                                      <p:tavLst>
+                                        <p:tav tm="0">
+                                          <p:val>
+                                            <p:strVal val="height"/>
+                                          </p:val>
+                                        </p:tav>
+                                        <p:tav tm="100000">
+                                          <p:val>
+                                            <p:strVal val="height"/>
+                                          </p:val>
+                                        </p:tav>
+                                      </p:tavLst>
+                                    </p:anim>
+                                    <p:animEffect filter="fade" transition="in">
+                                      <p:cBhvr additive="repl">
+                                        <p:cTn id="77" dur="1000"/>
+                                        <p:tgtEl>
+                                          <p:spTgt spid="133">
+                                            <p:txEl>
+                                              <p:pRg st="115" end="115"/>
+                                            </p:txEl>
+                                          </p:spTgt>
+                                        </p:tgtEl>
+                                      </p:cBhvr>
+                                    </p:animEffect>
+                                  </p:childTnLst>
+                                </p:cTn>
+                              </p:par>
+                            </p:childTnLst>
+                          </p:cTn>
+                        </p:par>
+                      </p:childTnLst>
+                    </p:cTn>
+                  </p:par>
+                  <p:par>
+                    <p:cTn id="78" fill="freeze">
+                      <p:stCondLst>
+                        <p:cond delay="indefinite"/>
+                      </p:stCondLst>
+                      <p:childTnLst>
+                        <p:par>
+                          <p:cTn id="79" fill="freeze">
+                            <p:stCondLst>
+                              <p:cond delay="0"/>
+                            </p:stCondLst>
+                            <p:childTnLst>
+                              <p:par>
+                                <p:cTn id="80" nodeType="clickEffect" fill="hold" presetClass="entr" presetID="55">
+                                  <p:stCondLst>
+                                    <p:cond delay="0"/>
+                                  </p:stCondLst>
+                                  <p:childTnLst>
+                                    <p:set>
+                                      <p:cBhvr>
+                                        <p:cTn id="81" dur="1" fill="hold">
+                                          <p:stCondLst>
+                                            <p:cond delay="0"/>
+                                          </p:stCondLst>
+                                        </p:cTn>
+                                        <p:tgtEl>
+                                          <p:spTgt spid="134">
+                                            <p:txEl>
+                                              <p:pRg st="0" end="14"/>
+                                            </p:txEl>
+                                          </p:spTgt>
+                                        </p:tgtEl>
+                                        <p:attrNameLst>
+                                          <p:attrName>style.visibility</p:attrName>
+                                        </p:attrNameLst>
+                                      </p:cBhvr>
+                                      <p:to>
+                                        <p:strVal val="visible"/>
+                                      </p:to>
+                                    </p:set>
+                                    <p:anim calcmode="lin" valueType="str">
+                                      <p:cBhvr additive="repl">
+                                        <p:cTn id="82" dur="1000" fill="hold"/>
+                                        <p:tgtEl>
+                                          <p:spTgt spid="134">
+                                            <p:txEl>
+                                              <p:pRg st="0" end="14"/>
+                                            </p:txEl>
+                                          </p:spTgt>
+                                        </p:tgtEl>
+                                      </p:cBhvr>
+                                      <p:tavLst>
+                                        <p:tav tm="0">
+                                          <p:val>
+                                            <p:strVal val="width*0.70"/>
+                                          </p:val>
+                                        </p:tav>
+                                        <p:tav tm="100000">
+                                          <p:val>
+                                            <p:strVal val="width"/>
+                                          </p:val>
+                                        </p:tav>
+                                      </p:tavLst>
+                                    </p:anim>
+                                    <p:anim calcmode="lin" valueType="str">
+                                      <p:cBhvr additive="repl">
+                                        <p:cTn id="83" dur="1000" fill="hold"/>
+                                        <p:tgtEl>
+                                          <p:spTgt spid="134">
+                                            <p:txEl>
+                                              <p:pRg st="0" end="14"/>
+                                            </p:txEl>
+                                          </p:spTgt>
+                                        </p:tgtEl>
+                                      </p:cBhvr>
+                                      <p:tavLst>
+                                        <p:tav tm="0">
+                                          <p:val>
+                                            <p:strVal val="height"/>
+                                          </p:val>
+                                        </p:tav>
+                                        <p:tav tm="100000">
+                                          <p:val>
+                                            <p:strVal val="height"/>
+                                          </p:val>
+                                        </p:tav>
+                                      </p:tavLst>
+                                    </p:anim>
+                                    <p:animEffect filter="fade" transition="in">
+                                      <p:cBhvr additive="repl">
+                                        <p:cTn id="84" dur="1000"/>
+                                        <p:tgtEl>
+                                          <p:spTgt spid="134">
+                                            <p:txEl>
+                                              <p:pRg st="0" end="14"/>
+                                            </p:txEl>
+                                          </p:spTgt>
+                                        </p:tgtEl>
+                                      </p:cBhvr>
+                                    </p:animEffect>
+                                  </p:childTnLst>
+                                </p:cTn>
+                              </p:par>
+                            </p:childTnLst>
+                          </p:cTn>
+                        </p:par>
+                      </p:childTnLst>
+                    </p:cTn>
+                  </p:par>
+                  <p:par>
+                    <p:cTn id="85" fill="freeze">
+                      <p:stCondLst>
+                        <p:cond delay="indefinite"/>
+                      </p:stCondLst>
+                      <p:childTnLst>
+                        <p:par>
+                          <p:cTn id="86" fill="freeze">
+                            <p:stCondLst>
+                              <p:cond delay="0"/>
+                            </p:stCondLst>
+                            <p:childTnLst>
+                              <p:par>
+                                <p:cTn id="87" nodeType="clickEffect" fill="hold" presetClass="entr" presetID="55">
+                                  <p:stCondLst>
+                                    <p:cond delay="0"/>
+                                  </p:stCondLst>
+                                  <p:childTnLst>
+                                    <p:set>
+                                      <p:cBhvr>
+                                        <p:cTn id="88" dur="1" fill="hold">
+                                          <p:stCondLst>
+                                            <p:cond delay="0"/>
+                                          </p:stCondLst>
+                                        </p:cTn>
+                                        <p:tgtEl>
+                                          <p:spTgt spid="134">
+                                            <p:txEl>
+                                              <p:pRg st="92" end="92"/>
+                                            </p:txEl>
+                                          </p:spTgt>
+                                        </p:tgtEl>
+                                        <p:attrNameLst>
+                                          <p:attrName>style.visibility</p:attrName>
+                                        </p:attrNameLst>
+                                      </p:cBhvr>
+                                      <p:to>
+                                        <p:strVal val="visible"/>
+                                      </p:to>
+                                    </p:set>
+                                    <p:anim calcmode="lin" valueType="str">
+                                      <p:cBhvr additive="repl">
+                                        <p:cTn id="89" dur="1000" fill="hold"/>
+                                        <p:tgtEl>
+                                          <p:spTgt spid="134">
+                                            <p:txEl>
+                                              <p:pRg st="92" end="92"/>
+                                            </p:txEl>
+                                          </p:spTgt>
+                                        </p:tgtEl>
+                                      </p:cBhvr>
+                                      <p:tavLst>
+                                        <p:tav tm="0">
+                                          <p:val>
+                                            <p:strVal val="width*0.70"/>
+                                          </p:val>
+                                        </p:tav>
+                                        <p:tav tm="100000">
+                                          <p:val>
+                                            <p:strVal val="width"/>
+                                          </p:val>
+                                        </p:tav>
+                                      </p:tavLst>
+                                    </p:anim>
+                                    <p:anim calcmode="lin" valueType="str">
+                                      <p:cBhvr additive="repl">
+                                        <p:cTn id="90" dur="1000" fill="hold"/>
+                                        <p:tgtEl>
+                                          <p:spTgt spid="134">
+                                            <p:txEl>
+                                              <p:pRg st="92" end="92"/>
+                                            </p:txEl>
+                                          </p:spTgt>
+                                        </p:tgtEl>
+                                      </p:cBhvr>
+                                      <p:tavLst>
+                                        <p:tav tm="0">
+                                          <p:val>
+                                            <p:strVal val="height"/>
+                                          </p:val>
+                                        </p:tav>
+                                        <p:tav tm="100000">
+                                          <p:val>
+                                            <p:strVal val="height"/>
+                                          </p:val>
+                                        </p:tav>
+                                      </p:tavLst>
+                                    </p:anim>
+                                    <p:animEffect filter="fade" transition="in">
+                                      <p:cBhvr additive="repl">
+                                        <p:cTn id="91" dur="1000"/>
+                                        <p:tgtEl>
+                                          <p:spTgt spid="134">
+                                            <p:txEl>
+                                              <p:pRg st="92" end="92"/>
+                                            </p:txEl>
+                                          </p:spTgt>
+                                        </p:tgtEl>
+                                      </p:cBhvr>
+                                    </p:animEffect>
+                                  </p:childTnLst>
+                                </p:cTn>
+                              </p:par>
+                            </p:childTnLst>
+                          </p:cTn>
+                        </p:par>
+                      </p:childTnLst>
+                    </p:cTn>
+                  </p:par>
+                  <p:par>
+                    <p:cTn id="92" fill="freeze">
+                      <p:stCondLst>
+                        <p:cond delay="indefinite"/>
+                      </p:stCondLst>
+                      <p:childTnLst>
+                        <p:par>
+                          <p:cTn id="93" fill="freeze">
+                            <p:stCondLst>
+                              <p:cond delay="0"/>
+                            </p:stCondLst>
+                            <p:childTnLst>
+                              <p:par>
+                                <p:cTn id="94" nodeType="clickEffect" fill="hold" presetClass="entr" presetID="55">
+                                  <p:stCondLst>
+                                    <p:cond delay="0"/>
+                                  </p:stCondLst>
+                                  <p:childTnLst>
+                                    <p:set>
+                                      <p:cBhvr>
+                                        <p:cTn id="95" dur="1" fill="hold">
+                                          <p:stCondLst>
+                                            <p:cond delay="0"/>
+                                          </p:stCondLst>
+                                        </p:cTn>
+                                        <p:tgtEl>
+                                          <p:spTgt spid="134">
+                                            <p:txEl>
+                                              <p:pRg st="92" end="92"/>
+                                            </p:txEl>
+                                          </p:spTgt>
+                                        </p:tgtEl>
+                                        <p:attrNameLst>
+                                          <p:attrName>style.visibility</p:attrName>
+                                        </p:attrNameLst>
+                                      </p:cBhvr>
+                                      <p:to>
+                                        <p:strVal val="visible"/>
+                                      </p:to>
+                                    </p:set>
+                                    <p:anim calcmode="lin" valueType="str">
+                                      <p:cBhvr additive="repl">
+                                        <p:cTn id="96" dur="1000" fill="hold"/>
+                                        <p:tgtEl>
+                                          <p:spTgt spid="134">
+                                            <p:txEl>
+                                              <p:pRg st="92" end="92"/>
+                                            </p:txEl>
+                                          </p:spTgt>
+                                        </p:tgtEl>
+                                      </p:cBhvr>
+                                      <p:tavLst>
+                                        <p:tav tm="0">
+                                          <p:val>
+                                            <p:strVal val="width*0.70"/>
+                                          </p:val>
+                                        </p:tav>
+                                        <p:tav tm="100000">
+                                          <p:val>
+                                            <p:strVal val="width"/>
+                                          </p:val>
+                                        </p:tav>
+                                      </p:tavLst>
+                                    </p:anim>
+                                    <p:anim calcmode="lin" valueType="str">
+                                      <p:cBhvr additive="repl">
+                                        <p:cTn id="97" dur="1000" fill="hold"/>
+                                        <p:tgtEl>
+                                          <p:spTgt spid="134">
+                                            <p:txEl>
+                                              <p:pRg st="92" end="92"/>
+                                            </p:txEl>
+                                          </p:spTgt>
+                                        </p:tgtEl>
+                                      </p:cBhvr>
+                                      <p:tavLst>
+                                        <p:tav tm="0">
+                                          <p:val>
+                                            <p:strVal val="height"/>
+                                          </p:val>
+                                        </p:tav>
+                                        <p:tav tm="100000">
+                                          <p:val>
+                                            <p:strVal val="height"/>
+                                          </p:val>
+                                        </p:tav>
+                                      </p:tavLst>
+                                    </p:anim>
+                                    <p:animEffect filter="fade" transition="in">
+                                      <p:cBhvr additive="repl">
+                                        <p:cTn id="98" dur="1000"/>
+                                        <p:tgtEl>
+                                          <p:spTgt spid="134">
+                                            <p:txEl>
+                                              <p:pRg st="92" end="92"/>
+                                            </p:txEl>
+                                          </p:spTgt>
+                                        </p:tgtEl>
+                                      </p:cBhvr>
+                                    </p:animEffect>
+                                  </p:childTnLst>
+                                </p:cTn>
+                              </p:par>
+                            </p:childTnLst>
+                          </p:cTn>
+                        </p:par>
+                      </p:childTnLst>
+                    </p:cTn>
+                  </p:par>
+                  <p:par>
+                    <p:cTn id="99" fill="freeze">
+                      <p:stCondLst>
+                        <p:cond delay="indefinite"/>
+                      </p:stCondLst>
+                      <p:childTnLst>
+                        <p:par>
+                          <p:cTn id="100" fill="freeze">
+                            <p:stCondLst>
+                              <p:cond delay="0"/>
+                            </p:stCondLst>
+                            <p:childTnLst>
+                              <p:par>
+                                <p:cTn id="101" nodeType="clickEffect" fill="hold" presetClass="entr" presetID="55">
+                                  <p:stCondLst>
+                                    <p:cond delay="0"/>
+                                  </p:stCondLst>
+                                  <p:childTnLst>
+                                    <p:set>
+                                      <p:cBhvr>
+                                        <p:cTn id="102" dur="1" fill="hold">
+                                          <p:stCondLst>
+                                            <p:cond delay="0"/>
+                                          </p:stCondLst>
+                                        </p:cTn>
+                                        <p:tgtEl>
+                                          <p:spTgt spid="134">
+                                            <p:txEl>
+                                              <p:pRg st="92" end="92"/>
+                                            </p:txEl>
+                                          </p:spTgt>
+                                        </p:tgtEl>
+                                        <p:attrNameLst>
+                                          <p:attrName>style.visibility</p:attrName>
+                                        </p:attrNameLst>
+                                      </p:cBhvr>
+                                      <p:to>
+                                        <p:strVal val="visible"/>
+                                      </p:to>
+                                    </p:set>
+                                    <p:anim calcmode="lin" valueType="str">
+                                      <p:cBhvr additive="repl">
+                                        <p:cTn id="103" dur="1000" fill="hold"/>
+                                        <p:tgtEl>
+                                          <p:spTgt spid="134">
+                                            <p:txEl>
+                                              <p:pRg st="92" end="92"/>
+                                            </p:txEl>
+                                          </p:spTgt>
+                                        </p:tgtEl>
+                                      </p:cBhvr>
+                                      <p:tavLst>
+                                        <p:tav tm="0">
+                                          <p:val>
+                                            <p:strVal val="width*0.70"/>
+                                          </p:val>
+                                        </p:tav>
+                                        <p:tav tm="100000">
+                                          <p:val>
+                                            <p:strVal val="width"/>
+                                          </p:val>
+                                        </p:tav>
+                                      </p:tavLst>
+                                    </p:anim>
+                                    <p:anim calcmode="lin" valueType="str">
+                                      <p:cBhvr additive="repl">
+                                        <p:cTn id="104" dur="1000" fill="hold"/>
+                                        <p:tgtEl>
+                                          <p:spTgt spid="134">
+                                            <p:txEl>
+                                              <p:pRg st="92" end="92"/>
+                                            </p:txEl>
+                                          </p:spTgt>
+                                        </p:tgtEl>
+                                      </p:cBhvr>
+                                      <p:tavLst>
+                                        <p:tav tm="0">
+                                          <p:val>
+                                            <p:strVal val="height"/>
+                                          </p:val>
+                                        </p:tav>
+                                        <p:tav tm="100000">
+                                          <p:val>
+                                            <p:strVal val="height"/>
+                                          </p:val>
+                                        </p:tav>
+                                      </p:tavLst>
+                                    </p:anim>
+                                    <p:animEffect filter="fade" transition="in">
+                                      <p:cBhvr additive="repl">
+                                        <p:cTn id="105" dur="1000"/>
+                                        <p:tgtEl>
+                                          <p:spTgt spid="134">
+                                            <p:txEl>
+                                              <p:pRg st="92" end="92"/>
+                                            </p:txEl>
+                                          </p:spTgt>
+                                        </p:tgtEl>
+                                      </p:cBhvr>
+                                    </p:animEffect>
+                                  </p:childTnLst>
+                                </p:cTn>
+                              </p:par>
+                            </p:childTnLst>
+                          </p:cTn>
+                        </p:par>
+                      </p:childTnLst>
+                    </p:cTn>
+                  </p:par>
+                  <p:par>
+                    <p:cTn id="106" fill="freeze">
+                      <p:stCondLst>
+                        <p:cond delay="indefinite"/>
+                      </p:stCondLst>
+                      <p:childTnLst>
+                        <p:par>
+                          <p:cTn id="107" fill="freeze">
+                            <p:stCondLst>
+                              <p:cond delay="0"/>
+                            </p:stCondLst>
+                            <p:childTnLst>
+                              <p:par>
+                                <p:cTn id="108" nodeType="clickEffect" fill="hold" presetClass="entr" presetID="55">
+                                  <p:stCondLst>
+                                    <p:cond delay="0"/>
+                                  </p:stCondLst>
+                                  <p:childTnLst>
+                                    <p:set>
+                                      <p:cBhvr>
+                                        <p:cTn id="109" dur="1" fill="hold">
+                                          <p:stCondLst>
+                                            <p:cond delay="0"/>
+                                          </p:stCondLst>
+                                        </p:cTn>
+                                        <p:tgtEl>
+                                          <p:spTgt spid="134">
+                                            <p:txEl>
+                                              <p:pRg st="92" end="92"/>
+                                            </p:txEl>
+                                          </p:spTgt>
+                                        </p:tgtEl>
+                                        <p:attrNameLst>
+                                          <p:attrName>style.visibility</p:attrName>
+                                        </p:attrNameLst>
+                                      </p:cBhvr>
+                                      <p:to>
+                                        <p:strVal val="visible"/>
+                                      </p:to>
+                                    </p:set>
+                                    <p:anim calcmode="lin" valueType="str">
+                                      <p:cBhvr additive="repl">
+                                        <p:cTn id="110" dur="1000" fill="hold"/>
+                                        <p:tgtEl>
+                                          <p:spTgt spid="134">
+                                            <p:txEl>
+                                              <p:pRg st="92" end="92"/>
+                                            </p:txEl>
+                                          </p:spTgt>
+                                        </p:tgtEl>
+                                      </p:cBhvr>
+                                      <p:tavLst>
+                                        <p:tav tm="0">
+                                          <p:val>
+                                            <p:strVal val="width*0.70"/>
+                                          </p:val>
+                                        </p:tav>
+                                        <p:tav tm="100000">
+                                          <p:val>
+                                            <p:strVal val="width"/>
+                                          </p:val>
+                                        </p:tav>
+                                      </p:tavLst>
+                                    </p:anim>
+                                    <p:anim calcmode="lin" valueType="str">
+                                      <p:cBhvr additive="repl">
+                                        <p:cTn id="111" dur="1000" fill="hold"/>
+                                        <p:tgtEl>
+                                          <p:spTgt spid="134">
+                                            <p:txEl>
+                                              <p:pRg st="92" end="92"/>
+                                            </p:txEl>
+                                          </p:spTgt>
+                                        </p:tgtEl>
+                                      </p:cBhvr>
+                                      <p:tavLst>
+                                        <p:tav tm="0">
+                                          <p:val>
+                                            <p:strVal val="height"/>
+                                          </p:val>
+                                        </p:tav>
+                                        <p:tav tm="100000">
+                                          <p:val>
+                                            <p:strVal val="height"/>
+                                          </p:val>
+                                        </p:tav>
+                                      </p:tavLst>
+                                    </p:anim>
+                                    <p:animEffect filter="fade" transition="in">
+                                      <p:cBhvr additive="repl">
+                                        <p:cTn id="112" dur="1000"/>
+                                        <p:tgtEl>
+                                          <p:spTgt spid="134">
+                                            <p:txEl>
+                                              <p:pRg st="92" end="92"/>
+                                            </p:txEl>
+                                          </p:spTgt>
+                                        </p:tgtEl>
+                                      </p:cBhvr>
+                                    </p:animEffect>
+                                  </p:childTnLst>
+                                </p:cTn>
+                              </p:par>
+                            </p:childTnLst>
+                          </p:cTn>
+                        </p:par>
+                      </p:childTnLst>
+                    </p:cTn>
+                  </p:par>
+                </p:childTnLst>
+              </p:cTn>
+              <p:prevCondLst>
+                <p:cond delay="0" evt="onPrev">
+                  <p:tgtEl>
+                    <p:sldTgt/>
+                  </p:tgtEl>
+                </p:cond>
+              </p:prevCondLst>
+              <p:nextCondLst>
+                <p:cond delay="0" evt="onNext">
+                  <p:tgtEl>
+                    <p:sldTgt/>
+                  </p:tgtEl>
+                </p:cond>
+              </p:nextCondLst>
+            </p:seq>
+          </p:childTnLst>
+        </p:cTn>
+      </p:par>
+    </p:tnLst>
+  </p:timing>
+</p:sld>
+</file>
+
+<file path=ppt/slides/slide8.xml><?xml version="1.0" encoding="utf-8"?>
+<p:sld xmlns:a="http://schemas.openxmlformats.org/drawingml/2006/main" xmlns:p="http://schemas.openxmlformats.org/presentationml/2006/main" xmlns:r="http://schemas.openxmlformats.org/officeDocument/2006/relationships">
+  <p:cSld>
+    <p:spTree>
+      <p:nvGrpSpPr>
+        <p:cNvPr id="1" name=""/>
+        <p:cNvGrpSpPr/>
+        <p:nvPr/>
+      </p:nvGrpSpPr>
+      <p:grpSpPr>
+        <a:xfrm>
+          <a:off x="0" y="0"/>
+          <a:ext cx="0" cy="0"/>
+          <a:chOff x="0" y="0"/>
+          <a:chExt cx="0" cy="0"/>
+        </a:xfrm>
+      </p:grpSpPr>
+      <p:sp>
+        <p:nvSpPr>
+          <p:cNvPr id="135" name="CustomShape 1"/>
+          <p:cNvSpPr/>
+          <p:nvPr/>
+        </p:nvSpPr>
+        <p:spPr>
+          <a:xfrm>
             <a:off x="309600" y="2232360"/>
-            <a:ext cx="8473320" cy="5110560"/>
+            <a:ext cx="8472600" cy="5109840"/>
           </a:xfrm>
           <a:prstGeom prst="rect">
             <a:avLst/>
@@ -7484,7 +8237,7 @@
                                           </p:stCondLst>
                                         </p:cTn>
                                         <p:tgtEl>
-                                          <p:spTgt spid="133">
+                                          <p:spTgt spid="135">
                                             <p:txEl>
                                               <p:pRg st="0" end="68"/>
                                             </p:txEl>
@@ -7502,7 +8255,7 @@
                                       <p:cBhvr additive="repl">
                                         <p:cTn id="119" dur="1000"/>
                                         <p:tgtEl>
-                                          <p:spTgt spid="133">
+                                          <p:spTgt spid="135">
                                             <p:txEl>
                                               <p:pRg st="0" end="68"/>
                                             </p:txEl>
@@ -7514,7 +8267,7 @@
                                       <p:cBhvr additive="repl">
                                         <p:cTn id="120" dur="1000" fill="hold"/>
                                         <p:tgtEl>
-                                          <p:spTgt spid="133">
+                                          <p:spTgt spid="135">
                                             <p:txEl>
                                               <p:pRg st="0" end="68"/>
                                             </p:txEl>
@@ -7541,7 +8294,7 @@
                                       <p:cBhvr additive="repl">
                                         <p:cTn id="121" dur="900" fill="hold"/>
                                         <p:tgtEl>
-                                          <p:spTgt spid="133">
+                                          <p:spTgt spid="135">
                                             <p:txEl>
                                               <p:pRg st="0" end="68"/>
                                             </p:txEl>
@@ -7572,7 +8325,7 @@
                                           </p:stCondLst>
                                         </p:cTn>
                                         <p:tgtEl>
-                                          <p:spTgt spid="133">
+                                          <p:spTgt spid="135">
                                             <p:txEl>
                                               <p:pRg st="0" end="68"/>
                                             </p:txEl>
@@ -7629,7 +8382,7 @@
 </p:sld>
 </file>
 
-<file path=ppt/slides/slide8.xml><?xml version="1.0" encoding="utf-8"?>
+<file path=ppt/slides/slide9.xml><?xml version="1.0" encoding="utf-8"?>
 <p:sld xmlns:a="http://schemas.openxmlformats.org/drawingml/2006/main" xmlns:p="http://schemas.openxmlformats.org/presentationml/2006/main" xmlns:r="http://schemas.openxmlformats.org/officeDocument/2006/relationships">
   <p:cSld>
     <p:spTree>
@@ -7648,14 +8401,14 @@
       </p:grpSpPr>
       <p:sp>
         <p:nvSpPr>
-          <p:cNvPr id="134" name="CustomShape 1"/>
+          <p:cNvPr id="136" name="CustomShape 1"/>
           <p:cNvSpPr/>
           <p:nvPr/>
         </p:nvSpPr>
         <p:spPr>
           <a:xfrm>
             <a:off x="457200" y="704160"/>
-            <a:ext cx="8304120" cy="5313960"/>
+            <a:ext cx="8303400" cy="5313240"/>
           </a:xfrm>
           <a:prstGeom prst="rect">
             <a:avLst/>
@@ -7785,7 +8538,7 @@
                                           </p:stCondLst>
                                         </p:cTn>
                                         <p:tgtEl>
-                                          <p:spTgt spid="134">
+                                          <p:spTgt spid="136">
                                             <p:txEl>
                                               <p:pRg st="0" end="1"/>
                                             </p:txEl>
@@ -7803,437 +8556,9 @@
                                       <p:cBhvr additive="repl">
                                         <p:cTn id="129" dur="2000"/>
                                         <p:tgtEl>
-                                          <p:spTgt spid="134">
+                                          <p:spTgt spid="136">
                                             <p:txEl>
                                               <p:pRg st="0" end="1"/>
-                                            </p:txEl>
-                                          </p:spTgt>
-                                        </p:tgtEl>
-                                      </p:cBhvr>
-                                    </p:animEffect>
-                                  </p:childTnLst>
-                                </p:cTn>
-                              </p:par>
-                            </p:childTnLst>
-                          </p:cTn>
-                        </p:par>
-                      </p:childTnLst>
-                    </p:cTn>
-                  </p:par>
-                </p:childTnLst>
-              </p:cTn>
-              <p:prevCondLst>
-                <p:cond delay="0" evt="onPrev">
-                  <p:tgtEl>
-                    <p:sldTgt/>
-                  </p:tgtEl>
-                </p:cond>
-              </p:prevCondLst>
-              <p:nextCondLst>
-                <p:cond delay="0" evt="onNext">
-                  <p:tgtEl>
-                    <p:sldTgt/>
-                  </p:tgtEl>
-                </p:cond>
-              </p:nextCondLst>
-            </p:seq>
-          </p:childTnLst>
-        </p:cTn>
-      </p:par>
-    </p:tnLst>
-  </p:timing>
-</p:sld>
-</file>
-
-<file path=ppt/slides/slide9.xml><?xml version="1.0" encoding="utf-8"?>
-<p:sld xmlns:a="http://schemas.openxmlformats.org/drawingml/2006/main" xmlns:p="http://schemas.openxmlformats.org/presentationml/2006/main" xmlns:r="http://schemas.openxmlformats.org/officeDocument/2006/relationships">
-  <p:cSld>
-    <p:spTree>
-      <p:nvGrpSpPr>
-        <p:cNvPr id="1" name=""/>
-        <p:cNvGrpSpPr/>
-        <p:nvPr/>
-      </p:nvGrpSpPr>
-      <p:grpSpPr>
-        <a:xfrm>
-          <a:off x="0" y="0"/>
-          <a:ext cx="0" cy="0"/>
-          <a:chOff x="0" y="0"/>
-          <a:chExt cx="0" cy="0"/>
-        </a:xfrm>
-      </p:grpSpPr>
-      <p:sp>
-        <p:nvSpPr>
-          <p:cNvPr id="135" name="CustomShape 1"/>
-          <p:cNvSpPr/>
-          <p:nvPr/>
-        </p:nvSpPr>
-        <p:spPr>
-          <a:xfrm>
-            <a:off x="457200" y="704160"/>
-            <a:ext cx="8304120" cy="1141200"/>
-          </a:xfrm>
-          <a:prstGeom prst="rect">
-            <a:avLst/>
-          </a:prstGeom>
-          <a:noFill/>
-          <a:ln>
-            <a:noFill/>
-          </a:ln>
-        </p:spPr>
-        <p:txBody>
-          <a:bodyPr lIns="0" rIns="0" tIns="0" bIns="0" anchor="ctr"/>
-          <a:p>
-            <a:r>
-              <a:rPr b="1" lang="en-IN" sz="3600">
-                <a:solidFill>
-                  <a:srgbClr val="000099"/>
-                </a:solidFill>
-                <a:latin typeface="Liberation Sans;Arial"/>
-              </a:rPr>
-              <a:t>Future of Cloud Computing</a:t>
-            </a:r>
-            <a:endParaRPr/>
-          </a:p>
-        </p:txBody>
-      </p:sp>
-      <p:sp>
-        <p:nvSpPr>
-          <p:cNvPr id="136" name="CustomShape 2"/>
-          <p:cNvSpPr/>
-          <p:nvPr/>
-        </p:nvSpPr>
-        <p:spPr>
-          <a:xfrm>
-            <a:off x="123840" y="1901520"/>
-            <a:ext cx="9234720" cy="1625040"/>
-          </a:xfrm>
-          <a:prstGeom prst="rect">
-            <a:avLst/>
-          </a:prstGeom>
-          <a:noFill/>
-          <a:ln>
-            <a:noFill/>
-          </a:ln>
-        </p:spPr>
-        <p:txBody>
-          <a:bodyPr lIns="90000" rIns="90000" tIns="45000" bIns="45000"/>
-          <a:p>
-            <a:r>
-              <a:rPr lang="en-IN">
-                <a:solidFill>
-                  <a:srgbClr val="006699"/>
-                </a:solidFill>
-                <a:latin typeface="Arial"/>
-              </a:rPr>
-              <a:t>A cloud allows users to access application, information, and data of all sorts on an online level rather than by use of actual hardware or devices. A company offering reliable cloud technology allows for computing to be done in a much more shared way, as a cloud provides a service rather than a product. Users get and share their information in a way that can allow them to access and give access to the whole world or any groups of people within their cloud.</a:t>
-            </a:r>
-            <a:endParaRPr/>
-          </a:p>
-        </p:txBody>
-      </p:sp>
-      <p:sp>
-        <p:nvSpPr>
-          <p:cNvPr id="137" name="CustomShape 3"/>
-          <p:cNvSpPr/>
-          <p:nvPr/>
-        </p:nvSpPr>
-        <p:spPr>
-          <a:xfrm>
-            <a:off x="0" y="3765600"/>
-            <a:ext cx="9304920" cy="2136960"/>
-          </a:xfrm>
-          <a:prstGeom prst="rect">
-            <a:avLst/>
-          </a:prstGeom>
-          <a:noFill/>
-          <a:ln>
-            <a:noFill/>
-          </a:ln>
-        </p:spPr>
-        <p:txBody>
-          <a:bodyPr lIns="90000" rIns="90000" tIns="45000" bIns="45000"/>
-          <a:p>
-            <a:r>
-              <a:rPr b="1" lang="en-IN">
-                <a:solidFill>
-                  <a:srgbClr val="006699"/>
-                </a:solidFill>
-                <a:latin typeface="Arial"/>
-              </a:rPr>
-              <a:t>WHAT THE FUTURE OF CLOUD COMPUTING HOLDS</a:t>
-            </a:r>
-            <a:endParaRPr/>
-          </a:p>
-          <a:p>
-            <a:endParaRPr/>
-          </a:p>
-          <a:p>
-            <a:r>
-              <a:rPr lang="en-IN">
-                <a:solidFill>
-                  <a:srgbClr val="006699"/>
-                </a:solidFill>
-                <a:latin typeface="Arial"/>
-              </a:rPr>
-              <a:t>With cloud computing and the technology behind it there are many potential opportunities and capabilities. Cloud computing can open a whole new world of jobs, services, platforms, applications, and much more. There are thousands of possibilities beginning to form as the future of cloud computing starts to really take off.</a:t>
-            </a:r>
-            <a:endParaRPr/>
-          </a:p>
-          <a:p>
-            <a:r>
-              <a:rPr lang="en-IN">
-                <a:solidFill>
-                  <a:srgbClr val="006699"/>
-                </a:solidFill>
-                <a:latin typeface="Arial"/>
-              </a:rPr>
-              <a:t>For instance, vendors and service providers can get on board to develop new and different ways of selling their goods and services to the cloud users through the cloud technology.</a:t>
-            </a:r>
-            <a:endParaRPr/>
-          </a:p>
-        </p:txBody>
-      </p:sp>
-    </p:spTree>
-  </p:cSld>
-  <p:timing>
-    <p:tnLst>
-      <p:par>
-        <p:cTn id="130" dur="indefinite" restart="never" nodeType="tmRoot">
-          <p:childTnLst>
-            <p:seq>
-              <p:cTn id="131" nodeType="mainSeq">
-                <p:childTnLst>
-                  <p:par>
-                    <p:cTn id="132" fill="freeze">
-                      <p:stCondLst>
-                        <p:cond delay="indefinite"/>
-                      </p:stCondLst>
-                      <p:childTnLst>
-                        <p:par>
-                          <p:cTn id="133" fill="freeze">
-                            <p:stCondLst>
-                              <p:cond delay="0"/>
-                            </p:stCondLst>
-                            <p:childTnLst>
-                              <p:par>
-                                <p:cTn id="134" nodeType="clickEffect" fill="hold" presetClass="entr" presetID="12" presetSubtype="4">
-                                  <p:stCondLst>
-                                    <p:cond delay="0"/>
-                                  </p:stCondLst>
-                                  <p:childTnLst>
-                                    <p:set>
-                                      <p:cBhvr>
-                                        <p:cTn id="135" dur="1" fill="hold">
-                                          <p:stCondLst>
-                                            <p:cond delay="0"/>
-                                          </p:stCondLst>
-                                        </p:cTn>
-                                        <p:tgtEl>
-                                          <p:spTgt spid="136">
-                                            <p:txEl>
-                                              <p:pRg st="0" end="461"/>
-                                            </p:txEl>
-                                          </p:spTgt>
-                                        </p:tgtEl>
-                                        <p:attrNameLst>
-                                          <p:attrName>style.visibility</p:attrName>
-                                        </p:attrNameLst>
-                                      </p:cBhvr>
-                                      <p:to>
-                                        <p:strVal val="visible"/>
-                                      </p:to>
-                                    </p:set>
-                                    <p:animEffect filter="slide(fromBottom)" transition="in">
-                                      <p:cBhvr additive="repl">
-                                        <p:cTn id="136" dur="500"/>
-                                        <p:tgtEl>
-                                          <p:spTgt spid="136">
-                                            <p:txEl>
-                                              <p:pRg st="0" end="461"/>
-                                            </p:txEl>
-                                          </p:spTgt>
-                                        </p:tgtEl>
-                                      </p:cBhvr>
-                                    </p:animEffect>
-                                  </p:childTnLst>
-                                </p:cTn>
-                              </p:par>
-                            </p:childTnLst>
-                          </p:cTn>
-                        </p:par>
-                      </p:childTnLst>
-                    </p:cTn>
-                  </p:par>
-                  <p:par>
-                    <p:cTn id="137" fill="freeze">
-                      <p:stCondLst>
-                        <p:cond delay="indefinite"/>
-                      </p:stCondLst>
-                      <p:childTnLst>
-                        <p:par>
-                          <p:cTn id="138" fill="freeze">
-                            <p:stCondLst>
-                              <p:cond delay="0"/>
-                            </p:stCondLst>
-                            <p:childTnLst>
-                              <p:par>
-                                <p:cTn id="139" nodeType="clickEffect" fill="hold" presetClass="entr" presetID="6" presetSubtype="16">
-                                  <p:stCondLst>
-                                    <p:cond delay="0"/>
-                                  </p:stCondLst>
-                                  <p:childTnLst>
-                                    <p:set>
-                                      <p:cBhvr>
-                                        <p:cTn id="140" dur="1" fill="hold">
-                                          <p:stCondLst>
-                                            <p:cond delay="0"/>
-                                          </p:stCondLst>
-                                        </p:cTn>
-                                        <p:tgtEl>
-                                          <p:spTgt spid="137">
-                                            <p:txEl>
-                                              <p:pRg st="0" end="41"/>
-                                            </p:txEl>
-                                          </p:spTgt>
-                                        </p:tgtEl>
-                                        <p:attrNameLst>
-                                          <p:attrName>style.visibility</p:attrName>
-                                        </p:attrNameLst>
-                                      </p:cBhvr>
-                                      <p:to>
-                                        <p:strVal val="visible"/>
-                                      </p:to>
-                                    </p:set>
-                                    <p:animEffect filter="circle(in)" transition="out">
-                                      <p:cBhvr additive="repl">
-                                        <p:cTn id="141" dur="2000"/>
-                                        <p:tgtEl>
-                                          <p:spTgt spid="137">
-                                            <p:txEl>
-                                              <p:pRg st="0" end="41"/>
-                                            </p:txEl>
-                                          </p:spTgt>
-                                        </p:tgtEl>
-                                      </p:cBhvr>
-                                    </p:animEffect>
-                                  </p:childTnLst>
-                                </p:cTn>
-                              </p:par>
-                            </p:childTnLst>
-                          </p:cTn>
-                        </p:par>
-                      </p:childTnLst>
-                    </p:cTn>
-                  </p:par>
-                  <p:par>
-                    <p:cTn id="142" fill="freeze">
-                      <p:stCondLst>
-                        <p:cond delay="indefinite"/>
-                      </p:stCondLst>
-                      <p:childTnLst>
-                        <p:par>
-                          <p:cTn id="143" fill="freeze">
-                            <p:stCondLst>
-                              <p:cond delay="0"/>
-                            </p:stCondLst>
-                            <p:childTnLst>
-                              <p:par>
-                                <p:cTn id="144" nodeType="clickEffect" fill="hold" presetClass="entr" presetID="6" presetSubtype="16">
-                                  <p:stCondLst>
-                                    <p:cond delay="0"/>
-                                  </p:stCondLst>
-                                  <p:childTnLst>
-                                    <p:set>
-                                      <p:cBhvr>
-                                        <p:cTn id="145" dur="1" fill="hold">
-                                          <p:stCondLst>
-                                            <p:cond delay="0"/>
-                                          </p:stCondLst>
-                                        </p:cTn>
-                                        <p:tgtEl>
-                                          <p:spTgt spid="137">
-                                            <p:txEl>
-                                              <p:pRg st="546" end="546"/>
-                                            </p:txEl>
-                                          </p:spTgt>
-                                        </p:tgtEl>
-                                        <p:attrNameLst>
-                                          <p:attrName>style.visibility</p:attrName>
-                                        </p:attrNameLst>
-                                      </p:cBhvr>
-                                      <p:to>
-                                        <p:strVal val="visible"/>
-                                      </p:to>
-                                    </p:set>
-                                    <p:animEffect filter="circle(in)" transition="out">
-                                      <p:cBhvr additive="repl">
-                                        <p:cTn id="146" dur="2000"/>
-                                        <p:tgtEl>
-                                          <p:spTgt spid="137">
-                                            <p:txEl>
-                                              <p:pRg st="546" end="546"/>
-                                            </p:txEl>
-                                          </p:spTgt>
-                                        </p:tgtEl>
-                                      </p:cBhvr>
-                                    </p:animEffect>
-                                  </p:childTnLst>
-                                </p:cTn>
-                              </p:par>
-                            </p:childTnLst>
-                          </p:cTn>
-                        </p:par>
-                      </p:childTnLst>
-                    </p:cTn>
-                  </p:par>
-                  <p:par>
-                    <p:cTn id="147" fill="freeze">
-                      <p:stCondLst>
-                        <p:cond delay="indefinite"/>
-                      </p:stCondLst>
-                      <p:childTnLst>
-                        <p:par>
-                          <p:cTn id="148" fill="freeze">
-                            <p:stCondLst>
-                              <p:cond delay="0"/>
-                            </p:stCondLst>
-                            <p:childTnLst>
-                              <p:par>
-                                <p:cTn id="149" nodeType="clickEffect" fill="hold" presetClass="entr" presetID="6" presetSubtype="16">
-                                  <p:stCondLst>
-                                    <p:cond delay="0"/>
-                                  </p:stCondLst>
-                                  <p:childTnLst>
-                                    <p:set>
-                                      <p:cBhvr>
-                                        <p:cTn id="150" dur="1" fill="hold">
-                                          <p:stCondLst>
-                                            <p:cond delay="0"/>
-                                          </p:stCondLst>
-                                        </p:cTn>
-                                        <p:tgtEl>
-                                          <p:spTgt spid="137">
-                                            <p:txEl>
-                                              <p:pRg st="546" end="546"/>
-                                            </p:txEl>
-                                          </p:spTgt>
-                                        </p:tgtEl>
-                                        <p:attrNameLst>
-                                          <p:attrName>style.visibility</p:attrName>
-                                        </p:attrNameLst>
-                                      </p:cBhvr>
-                                      <p:to>
-                                        <p:strVal val="visible"/>
-                                      </p:to>
-                                    </p:set>
-                                    <p:animEffect filter="circle(in)" transition="out">
-                                      <p:cBhvr additive="repl">
-                                        <p:cTn id="151" dur="2000"/>
-                                        <p:tgtEl>
-                                          <p:spTgt spid="137">
-                                            <p:txEl>
-                                              <p:pRg st="546" end="546"/>
                                             </p:txEl>
                                           </p:spTgt>
                                         </p:tgtEl>
